--- a/統整簡報/20230924/海洋生物辨識.pptx
+++ b/統整簡報/20230924/海洋生物辨識.pptx
@@ -7,14 +7,13 @@
   <p:sldIdLst>
     <p:sldId id="256" r:id="rId2"/>
     <p:sldId id="257" r:id="rId3"/>
-    <p:sldId id="258" r:id="rId4"/>
+    <p:sldId id="265" r:id="rId4"/>
     <p:sldId id="259" r:id="rId5"/>
     <p:sldId id="264" r:id="rId6"/>
     <p:sldId id="260" r:id="rId7"/>
     <p:sldId id="263" r:id="rId8"/>
     <p:sldId id="261" r:id="rId9"/>
     <p:sldId id="262" r:id="rId10"/>
-    <p:sldId id="265" r:id="rId11"/>
   </p:sldIdLst>
   <p:sldSz cx="12192000" cy="6858000"/>
   <p:notesSz cx="6858000" cy="9144000"/>
@@ -283,146 +282,6 @@
 </inkml:ink>
 </file>
 
-<file path=ppt/ink/ink15.xml><?xml version="1.0" encoding="utf-8"?>
-<inkml:ink xmlns:inkml="http://www.w3.org/2003/InkML">
-  <inkml:definitions>
-    <inkml:context xml:id="ctx0">
-      <inkml:inkSource xml:id="inkSrc0">
-        <inkml:traceFormat>
-          <inkml:channel name="X" type="integer" min="-2.14748E9" max="2.14748E9" units="cm"/>
-          <inkml:channel name="Y" type="integer" min="-2.14748E9" max="2.14748E9" units="cm"/>
-          <inkml:channel name="F" type="integer" max="32767" units="dev"/>
-        </inkml:traceFormat>
-        <inkml:channelProperties>
-          <inkml:channelProperty channel="X" name="resolution" value="1000" units="1/cm"/>
-          <inkml:channelProperty channel="Y" name="resolution" value="1000" units="1/cm"/>
-          <inkml:channelProperty channel="F" name="resolution" value="0" units="1/dev"/>
-        </inkml:channelProperties>
-      </inkml:inkSource>
-      <inkml:timestamp xml:id="ts0" timeString="2023-09-19T06:23:07.627"/>
-    </inkml:context>
-    <inkml:brush xml:id="br0">
-      <inkml:brushProperty name="width" value="0.08571" units="cm"/>
-      <inkml:brushProperty name="height" value="0.08571" units="cm"/>
-    </inkml:brush>
-  </inkml:definitions>
-  <inkml:trace contextRef="#ctx0" brushRef="#br0">7 161 7664,'-4'-3'1989,"2"3"942,2-3-2770,2 3 0,0 0 57,2 0 1,-2 0-74,3 0 1,-3 0 53,2 0 0,0 0-154,3 0 0,-3 0 146,0 0 1,1 0-208,1 0 1,0 0-57,1 0 1,0 0 199,1 0 0,0 0-61,0 0 0,-1 0 31,0 0 0,1 0-104,1 0 1,-1 0 80,-1 0 1,-1 0-69,1 0 1,-1 0 68,0 0 0,1 0-106,-1 0 1,-1 0 144,-1 0 1,0 0-64,2 0 1,-1-1 135,-1-1 0,0 1-117,3-1 1,-3 1 414,0 1-294,1 0 263,1 0-177,0 0-138,1 0-91,-1 0 1,-2 0 84,1-2 0,-3 1-354,2-1 236,-2 1 0,3 1-209,0 0 145,-3 0 181,4 0-117,-2 0 1,2 0 56,1 0 1,-3 0-49,0 0 1,-2 2 27,2 0-28,1 0 70,1-2 98,1 0-117,-1 0-14,0 0 1,1 0 6,-1 0 2,-2 0-23,2 0-23,-3 0-58,3 0 1,-1 0 97,-1 0-156,0 0 1,1 0 92,-1 0 1,-2 0 198,2 0-169,-2 0-29,3 0 0,-3 0 61,2 0 19,-2 0-145,3 0 116,-4 0-212,5 0 156,-6 0-62,3 0 30,0 0-8,-2 0-543,2 0 185,-1 0-1830,-1 0 1018,2 0 0,-3 0 0</inkml:trace>
-  <inkml:trace contextRef="#ctx0" brushRef="#br0" timeOffset="641">347 1 8066,'-6'3'236,"-1"-3"0,3 4 260,0-2 269,2-1-127,-4 2-60,6-3 306,-3 0 0,8 0-636,1 3 0,2-3-81,-1 2 0,-1 0 21,0 0 0,1-1-120,-1 4 1,1-4 57,-1 1 0,1 2-177,2 0 0,-2 0 15,1 0 0,0-2 94,1 2 0,-2 0 16,1 0 1,0 2 3,1-2 1,-2 1 35,2-1 1,-4 1-30,-1-2 1,-1 2-73,2-1 0,0-1 175,-3 2 14,0-4-218,-2 5 100,0-3 0,-2 2-120,0-1 1,-3-2 162,3 2-247,-3-2 118,2 3 0,-4-1-64,1 2 1,-1-1 53,1-1 1,2 0-17,-1 3 1,0 0 10,-2 1 1,-3-1 0,4 2 1,-2 0-130,2 0 1,-3 2 126,1 0 1,-2 1-380,2 1 1,1-2 143,-2-1 0,0 0-141,0 1 0,1-2 87,4-2 1,-2-1-20,2 0 0,-1-1-118,1-1 1,0-3-728,2 2-534,2-3 1705,-3 0 0,0 0 0,-1 0 0</inkml:trace>
-</inkml:ink>
-</file>
-
-<file path=ppt/ink/ink16.xml><?xml version="1.0" encoding="utf-8"?>
-<inkml:ink xmlns:inkml="http://www.w3.org/2003/InkML">
-  <inkml:definitions>
-    <inkml:context xml:id="ctx0">
-      <inkml:inkSource xml:id="inkSrc0">
-        <inkml:traceFormat>
-          <inkml:channel name="X" type="integer" min="-2.14748E9" max="2.14748E9" units="cm"/>
-          <inkml:channel name="Y" type="integer" min="-2.14748E9" max="2.14748E9" units="cm"/>
-          <inkml:channel name="F" type="integer" max="32767" units="dev"/>
-        </inkml:traceFormat>
-        <inkml:channelProperties>
-          <inkml:channelProperty channel="X" name="resolution" value="1000" units="1/cm"/>
-          <inkml:channelProperty channel="Y" name="resolution" value="1000" units="1/cm"/>
-          <inkml:channelProperty channel="F" name="resolution" value="0" units="1/dev"/>
-        </inkml:channelProperties>
-      </inkml:inkSource>
-      <inkml:timestamp xml:id="ts0" timeString="2023-09-19T06:23:10.478"/>
-    </inkml:context>
-    <inkml:brush xml:id="br0">
-      <inkml:brushProperty name="width" value="0.08571" units="cm"/>
-      <inkml:brushProperty name="height" value="0.08571" units="cm"/>
-    </inkml:brush>
-  </inkml:definitions>
-  <inkml:trace contextRef="#ctx0" brushRef="#br0">0 128 13069,'7'0'1012,"-1"0"-792,1 0 1,-1 0-18,0 0 0,1 3-122,-1-1 0,1 0 86,2-2 0,-1 2-126,2 0 1,0 0 97,1-2 0,1 0-180,-1 0 1,0 0 37,0 0 1,0 0-13,-2 0 1,2 0-71,0 0 1,-2 0 78,0 0 1,-2 0-38,-1 0 0,3 0 76,0 0 1,-1 0-25,-2 0 0,1 0 19,-1 0 1,1 0 43,2 0 0,-4 0-40,1 0 0,-1 0-45,2 0 0,-1 0 184,1 0 1,-1 0-84,0 0-128,1 3 0,-1-2 79,1 1 1,-1-1-69,1-1 106,-1 0-217,3 0 0,-2 0 58,2 0 160,-2 0 0,-1 0-82,1 0 1,-3 0 23,0 0 1,-1 0 18,1 0 0,-2 0-32,2 2 1,-2-1 142,3 1-96,-4-1-143,5 2 132,-3-2 210,4 1-219,-1-2 1,-2 0 48,1 0-133,-4 0 110,5 0-70,-5 0 68,4 0-144,-4-2 96,5 1 0,-5-2-77,3 3 66,-2 0 1,3 0 0,-3 0-2,2 0 0,-2-1 6,0-1 32,1 1-33,1-1 1,0 2 193,0 0-184,-2 0 0,1 0 93,0 0-75,-3 0 4,6 0 10,-5 0 10,4 0-24,-4 0 0,3 0 11,-2 0 92,-1 0-90,1 0 10,1 0 10,-2 0 10,2 0-321,0 0 279,-3-3-191,3 2 118,-3-2 21,3 3 3,-2 0-4,2 0 153,-1 0-131,-1 0-2659,2 0 1,-3 0 0</inkml:trace>
-  <inkml:trace contextRef="#ctx0" brushRef="#br0" timeOffset="556">456 0 8249,'-7'3'-405,"3"-2"217,0 4 1921,2-4-1133,-1 2 0,4-2-113,1 1 0,0-2-165,2 3 0,0-3-71,3 0 1,-1 2 65,1 1 0,1 1-66,1-2 1,1 1 4,-1-1 0,2 1 27,0 1 0,0 2-154,0-2 1,1 2-128,-1 0 1,1-1 122,1-1 0,0-1-37,-1 2 1,-1 0 249,0-3-378,-3 3 0,1-2 83,-3 1 0,-2-1 194,-2 0-130,-1-3 1,-4 5 29,-1-3 0,-3 3 7,-1 0 1,-2 0 28,-3 2 0,0-1-15,0 1 0,0 1-20,-2 1 0,0 2-332,-2 0 1,2 1 102,-2 1 1,3 0-466,-1 2 1,2-1 250,0 1 1,1 0-599,1 0 1,2 0 247,2-5 0,-1 2-16,-1-4 1,1 3-206,4-2 0,0-4-202,2-3-502,2 2 1580,-3-3 0,3 2 0</inkml:trace>
-</inkml:ink>
-</file>
-
-<file path=ppt/ink/ink17.xml><?xml version="1.0" encoding="utf-8"?>
-<inkml:ink xmlns:inkml="http://www.w3.org/2003/InkML">
-  <inkml:definitions>
-    <inkml:context xml:id="ctx0">
-      <inkml:inkSource xml:id="inkSrc0">
-        <inkml:traceFormat>
-          <inkml:channel name="X" type="integer" min="-2.14748E9" max="2.14748E9" units="cm"/>
-          <inkml:channel name="Y" type="integer" min="-2.14748E9" max="2.14748E9" units="cm"/>
-          <inkml:channel name="F" type="integer" max="32767" units="dev"/>
-        </inkml:traceFormat>
-        <inkml:channelProperties>
-          <inkml:channelProperty channel="X" name="resolution" value="1000" units="1/cm"/>
-          <inkml:channelProperty channel="Y" name="resolution" value="1000" units="1/cm"/>
-          <inkml:channelProperty channel="F" name="resolution" value="0" units="1/dev"/>
-        </inkml:channelProperties>
-      </inkml:inkSource>
-      <inkml:timestamp xml:id="ts0" timeString="2023-09-19T06:23:15.106"/>
-    </inkml:context>
-    <inkml:brush xml:id="br0">
-      <inkml:brushProperty name="width" value="0.08571" units="cm"/>
-      <inkml:brushProperty name="height" value="0.08571" units="cm"/>
-    </inkml:brush>
-  </inkml:definitions>
-  <inkml:trace contextRef="#ctx0" brushRef="#br0">7 160 8932,'-4'0'1401,"1"0"2225,3 0-3544,6 0 1,-2 0 140,5 0-78,-2 0 1,0 0 35,2 0 0,-2 0-55,1 0 0,2 0 8,1 0 1,-1 0 37,1 0 1,-1 0-138,3-2 0,-1 1 89,-1-1 1,1 1-146,-1 1 0,-1 0 10,0 0 1,-2-2 39,1 0 1,0 0-153,0 2 0,-1 0 77,-2 0 0,-1 0 61,-1 0 2,0 0-53,3 0 0,-3 0 48,0 0 1,-2 0-28,3 0 1,-4-1-51,1-1 1,0 1 5,0-1 1,-1-1-205,4 1 1,-3 0-96,2 2 508,-3 0 0,3 0-128,-2 0 165,-1 0-166,4 0 55,-4 3-30,2-3 17,0 6-19,-2-5 0,1 2-7,-2-1 0,1-1 229,1 1-222,-1-1 52,2-1-156,0 0 38,-3 0-282,3 0 0,-2 2 249,1 0-124,-1 0 0,2-2 181,0 0 209,-3 0-102,6 0 318,-5 0-11,4 0-334,-4 0-26,2 0 97,0 0-447,-2 0 241,4 0-514,-4 0-44,5 0-85,-6 0 377,6 0 1,-5 0 39,4 0-176,-4 0 106,2 0-748,0 0 186,-2 0 520,1 0 1,1 0 0,1 0-1</inkml:trace>
-  <inkml:trace contextRef="#ctx0" brushRef="#br0" timeOffset="491">282 0 7585,'-4'2'2150,"0"0"-1608,2 1 1,0-1-89,2 3 0,0-2-207,0 1 0,0-1 60,0 1 1,2 0-46,0 3 0,5-3 2,-1 0 0,3 0-5,-1 3 0,0-3 0,3 0 0,0 0-53,2 0 0,-3 2 56,1-2 1,-3 0-12,3 0 1,-3 0-12,1 0 1,-2 2-158,-1-2 80,1 2 0,-3-1-24,0 0 1,-3 0-21,2 0 1,-3-2-102,0 1 0,0-2-49,-3 3 1,0-3 99,-3 2 1,-1 0-148,1 3 0,-4-3 43,0 0 0,-2 1-62,-1 4 0,0-2 85,0 2 1,0 0-350,0-1 0,1 3-696,-1-2 1,0 2 472,0 0 1,1-1-584,1 0 1,2-2 504,3 1 0,-1-2-1139,1-1 1801,2-2 0,-1 2 0,1-3 0</inkml:trace>
-</inkml:ink>
-</file>
-
-<file path=ppt/ink/ink18.xml><?xml version="1.0" encoding="utf-8"?>
-<inkml:ink xmlns:inkml="http://www.w3.org/2003/InkML">
-  <inkml:definitions>
-    <inkml:context xml:id="ctx0">
-      <inkml:inkSource xml:id="inkSrc0">
-        <inkml:traceFormat>
-          <inkml:channel name="X" type="integer" min="-2.14748E9" max="2.14748E9" units="cm"/>
-          <inkml:channel name="Y" type="integer" min="-2.14748E9" max="2.14748E9" units="cm"/>
-          <inkml:channel name="F" type="integer" max="32767" units="dev"/>
-        </inkml:traceFormat>
-        <inkml:channelProperties>
-          <inkml:channelProperty channel="X" name="resolution" value="1000" units="1/cm"/>
-          <inkml:channelProperty channel="Y" name="resolution" value="1000" units="1/cm"/>
-          <inkml:channelProperty channel="F" name="resolution" value="0" units="1/dev"/>
-        </inkml:channelProperties>
-      </inkml:inkSource>
-      <inkml:timestamp xml:id="ts0" timeString="2023-09-19T06:23:17.106"/>
-    </inkml:context>
-    <inkml:brush xml:id="br0">
-      <inkml:brushProperty name="width" value="0.08571" units="cm"/>
-      <inkml:brushProperty name="height" value="0.08571" units="cm"/>
-    </inkml:brush>
-  </inkml:definitions>
-  <inkml:trace contextRef="#ctx0" brushRef="#br0">7 116 9732,'-4'0'1506,"1"0"986,3 0-2290,6 0 1,-4 0-1,5 0 1,-2 0-203,1 0 0,0 0 32,1 0 1,-1 1 35,1 1 1,1-1 92,1 1 1,1-1-126,-1-1 0,2 2 100,0 0 1,-1 0 2,1-2 1,-1 0 11,0 0 0,2 0-35,-4 0 0,2 0-87,-2 0 1,-1 0 89,2 0 1,-2 0-155,-1 0 0,-1 0 119,-1 0-73,0 0 119,3 0-99,-4 0 1,1 0 19,-2 0 6,-1 0 378,2 0-317,-1 0-318,-1 0 184,2 0 218,0 0-157,-2 0 0,2 0 49,-1 0 21,-1 0-140,2 0 108,0 0-83,-3 0-232,3 0 130,0 0 77,-2 0-533,2 0 221,-1 0 140,-1 0-208,2 0 352,0 0-86,-2 0-1830,1 0 1268,1 0 155,-2 0-483,2 0 0,0 0 0,0 0 0</inkml:trace>
-  <inkml:trace contextRef="#ctx0" brushRef="#br0" timeOffset="442">193 1 7885,'-3'3'570,"2"1"-57,-1-2 623,1-1-725,1 5 0,1-6-81,1 2 0,2 1-110,2-1 0,1 1-28,2-1 1,-2-1-8,2 1 1,0 1 26,-1-1 0,2 2-85,-2-1 1,-1-1 87,2 1 0,-2-1-62,-1 3 0,0 0-21,-2 0 1,2-2-33,-2 2 34,-1-1 0,2 2-133,-3 1 1,0-3 138,-2 0 1,0-2 11,0 3 0,0-2-162,-2 1 0,-1 2 125,-1-2 0,-2 0-133,2 0 1,-3 1 62,-1 1 0,0 0-197,0 1 1,-1 1-13,0 1 0,-2 2 14,0-3 1,0 1-488,0 0 0,-1 0 278,1 2 0,0 0-674,0-2 0,2 0 421,2 0 1,1-2 611,-1 1 0,1-1 0,0 0 0</inkml:trace>
-</inkml:ink>
-</file>
-
-<file path=ppt/ink/ink19.xml><?xml version="1.0" encoding="utf-8"?>
-<inkml:ink xmlns:inkml="http://www.w3.org/2003/InkML">
-  <inkml:definitions>
-    <inkml:context xml:id="ctx0">
-      <inkml:inkSource xml:id="inkSrc0">
-        <inkml:traceFormat>
-          <inkml:channel name="X" type="integer" min="-2.14748E9" max="2.14748E9" units="cm"/>
-          <inkml:channel name="Y" type="integer" min="-2.14748E9" max="2.14748E9" units="cm"/>
-          <inkml:channel name="F" type="integer" max="32767" units="dev"/>
-        </inkml:traceFormat>
-        <inkml:channelProperties>
-          <inkml:channelProperty channel="X" name="resolution" value="1000" units="1/cm"/>
-          <inkml:channelProperty channel="Y" name="resolution" value="1000" units="1/cm"/>
-          <inkml:channelProperty channel="F" name="resolution" value="0" units="1/dev"/>
-        </inkml:channelProperties>
-      </inkml:inkSource>
-      <inkml:timestamp xml:id="ts0" timeString="2023-09-19T06:23:20.879"/>
-    </inkml:context>
-    <inkml:brush xml:id="br0">
-      <inkml:brushProperty name="width" value="0.08571" units="cm"/>
-      <inkml:brushProperty name="height" value="0.08571" units="cm"/>
-    </inkml:brush>
-  </inkml:definitions>
-  <inkml:trace contextRef="#ctx0" brushRef="#br0">1 154 7972,'0'4'1241,"0"-1"-264,0-3-741,3 0 1,-2 0 205,3 0-220,1 0 1,1 0-106,1 0 1,-1-1 62,0-1 0,1 1-26,-1-1 0,1 1-79,-1 1 0,0 0 113,1 0 1,-1 0-143,1 0 0,-1 0 112,1 0 0,0 0-174,1 0 1,-1 0 124,2 0 0,-2 0 147,-1 0 1,2 0-99,0 0 1,0 0 0,3 0 0,-3 0-209,3 0 1,-3 0 65,3-2 0,-1 1-36,1-1 0,0-1 75,-2 1 0,0-3 33,0 3 1,-2-1-71,1 1 1,-1 2-103,0-3 0,-1 3 107,1 0 1,-3-1 0,0-1 0,-2 1 343,3-1-306,-1 1 0,0 1-22,0 0 0,-2 1 94,0 1-118,2-1 1,-3 2 78,3 0-57,-2-3 0,1 4 20,-1-2-9,-1-1-29,5 2 1,-5-3 47,4 0-56,-4 0 75,5 0-98,-6 2 36,6-1 0,-5 2 3,4-3-49,-4 0 1,3 0-105,-2 0 1,-1 0 465,4 0-201,-4 0-48,5 0 1,-5 0-17,3 0-16,-2 0 21,4 0-101,-6 0 14,6 0 0,-5 0-3,4 0-34,-4 0 1,3 0 61,-2 0-30,-2 0 1,4 0 11,-2 0-44,-1 0 5,2 0 20,0 0-2,-3 0-80,3 3 83,0-2-371,-2 1 103,2 1-318,-3-2 27,2 2 0,-1-2-1309,1 1 174,-1-2 1712,-1 3 0,0-3 0</inkml:trace>
-  <inkml:trace contextRef="#ctx0" brushRef="#br0" timeOffset="445">373 0 7943,'-1'4'315,"-1"-2"0,1 0 344,-1 0 91,2-2 1,0 6-427,0-2 0,0 0-103,2 0 0,0 0-115,2 0 1,3 2 128,1-2 0,1 1-112,0-1 0,-1 2 88,2-2 0,-1 2-3,2 0 0,-1 1-41,0-1 0,2 1-38,-4-1 0,1 3 64,-3-1 0,1 1-15,-1-3 1,-2 1 2,1-1 0,-4-2 208,1 1-310,-1-1 1,-2 0 11,-1 0 1,-2-1-146,-2 1 1,-2-1 54,-1 2 1,-2 0-99,0 0 0,-2 1-209,-2 3 0,2-2 156,-2 4 1,1-2-368,1 1 1,0-1 207,-2 2 0,3-3-198,-1 3 1,5-3-208,-1 3 1,2-3-1105,1 0 1818,-1-3 0,4 0 0,0-1 0</inkml:trace>
-</inkml:ink>
-</file>
-
 <file path=ppt/ink/ink2.xml><?xml version="1.0" encoding="utf-8"?>
 <inkml:ink xmlns:inkml="http://www.w3.org/2003/InkML">
   <inkml:definitions>
@@ -447,230 +306,6 @@
     </inkml:brush>
   </inkml:definitions>
   <inkml:trace contextRef="#ctx0" brushRef="#br0">0 7173 20334,'6'-14'0,"-1"2"-30,0 0 0,0 1 278,0-1 1,1-2-198,-1 3 24,2-6 1,0 1-22,1-3 0,-4 8 11,1-1 0,-1 3-41,1-3 0,2-3-13,-2 2 0,-1 3-3,1-2 0,0 1 4,2-6 0,-2 7-15,0-2 0,0-1 0,2-3 0,2-5-9,0 0 1,0 0 50,0 0 1,-1 2-25,-1 2 0,1-1 41,2-5 0,-3 5-35,2-4 1,-1 3 17,-1 3 0,1-2-34,-1 1 0,-1 2-2,2-2 1,-1 0 8,0 0 0,0 0-4,1 0 1,-2 1-101,2-3 1,-1 2 93,1-1 1,2-4-61,0-2 1,1-2 42,-1 2 1,2-4-6,-2 5 1,3-7 20,-3 6 0,2-5 2,-2 5 1,1-3 35,-1 4 0,0-1-48,3-6 1,-3 8 108,0-2 0,0-1-88,0 2 1,2-4-4,-2 3 0,-1 2 10,2-3 0,0-1-34,-1 3 0,0-3 23,1 1 1,0-1-6,1-2 1,2-4-87,-1 1 0,0-1 78,2-1 1,-1-1-62,1-1 1,0-1 50,0 1 1,-1 1-7,0 1 1,1 0 11,0-3 0,-2 5 0,0 1 0,-1 1-1,2-4 1,0 0 3,0-1 1,1 0 4,-1 0 1,0 1 1,0 0 0,0 0 10,0 0 0,1-1-15,-2 2 1,4-7 0,-1 1 1,1-2 0,-2 5 1,2-6-2,0 1 1,1-2 1,-1 1 1,0 2 0,1-3 1,-1 2-6,-1 2 0,1-3 1,1-1 0,3-8-24,-1 3 0,0 0 22,0 0 1,0 0-75,3-7 0,-3 7 73,0 0 0,-2 4-6,2-5 1,0 2 7,-1 1 1,1-1 2,-2 4 0,-3 5 21,2-2 0,-3 4-32,2 0 1,-2 1 31,0 1 1,-1 2-25,1-3 0,0 3 13,0-3 1,-3 8-19,1-3 1,-1 4 0,1-3 0,2-4-47,-1 1 0,1-3-8,1-1 1,1-2 39,1-4 1,0 2 3,1-3 1,1-5 38,-1 5 0,2-4-43,-2 3 0,-1 2 27,1-2 1,0 3-7,-3 4 1,-2 6 5,-3 6 0,1-2-35,-1 3 1,2-7 0,-3 9 0,2-4-50,-3 6 1,2-3 62,0-2 1,2-5-37,-1 3 1,1-4 19,1 2 0,0-4-14,2-4 1,-2 6 25,0-1 1,-1 3 37,3-6 0,-2 1-18,2 0 0,-2 2 7,-2 4 1,0 0-51,-1 6 1,1-6 29,-2 5 0,1 0-23,-3 5 1,0-1 20,3-5 1,-2 4-11,2-4 1,-2 4 25,0 1 1,-1 1-3,1-2 1,2-4 27,0-1 1,0 0-56,-3 7 50,2-2 0,-3 3-23,1 0 1,-1 3 104,-1 1-89,0 0 21,1-2 1,0-2 6,1 0 1,-2 5 4,0-1 0,-1 3-16,1-3 0,1-2 6,-1 2 0,2-4 19,1-3 1,2-4-31,0 0 1,-1 0 99,-1 4 1,2-3-87,0-2 0,-1 2 26,2-3 0,-2 4-32,-1 2 1,-1 1-5,1 0 1,0-2 19,0 3-24,0-2 0,-2 4-86,1-2 1,-2 6 85,-1 2 1,-1 2-126,2-5 108,0 0 1,1-2-64,-1 2 50,1-1 0,-1 0 0,2-4 1,-1 3 2,-1 2 1,-1 3 0,1-3 1,-2 5 36,2-5 1,-1 2-34,2-4 0,-2 5 73,-1 2 1,-1 3-52,2-6 46,-1 4-47,0-1 2,1-2-25,-4 7-11,3-4-15,-3 6 1,3-6 38,-1-1-31,1 1 0,-1 2 18,0-1-7,-2 4 1,4-7 2,-4 6 3,3-5 0,-1 3 0,2-4 0,-2 3-27,-1 3 25,3-7-23,-1 2 19,-2 2-32,5-8 33,-4 9 0,2-5-11,-1 2 4,-2 5 1,2-7-1,-1 5 1,-1 1 25,2-4 0,-1 3-27,1-3 70,-2 5-60,1-4 16,1-1-7,-2 5 6,4-11-8,-4 12 0,3-9 1,-1 3-4,-1 3 3,1-3-6,-1 1 3,-1 4 1,3-6-7,-2 3 9,-2 4-20,3-6 8,-3 7-3,3-6 9,-2 4-2,1-5 7,-2 7 3,0 0-6,1-2 0,0 1 169,0-2-174,2-3-6,-3 4-1,3-4 8,-3 6-6,0 0 22,3-7-18,-2 5 16,1-4-12,-2 6 4,0 0 1,2-4-3,1-3 2,-2 4-1,2-4-1,-3 7 105,0 0-96,3-6 29,-2 4-28,1-5-1,-2 7-330,0 0 280,3-6 32,-2 4 3,2-4 47,-3 6 47,0 0-70,1-3-10,-1 2 1,2-3 55,0-1-46,-1 3-1,2-4-15,-3 6 40,0 0-58,2-7 39,-1 6-12,2-6 0,-2 3 20,2-2 4,-1 2-33,1-3 17,-1 1-5,-1 4 0,3-6 8,-2 3-34,-2 4 1,3-7 28,-2 6-105,2-5 77,-1 3 2,4-9 0,-5 9 4,3-5-9,-1 3 25,3-8 0,-4 8-20,2-4 51,-2 7-62,0-4 1,-1 6-20,1-4-37,-1 3 70,2-4-132,-3 6 0,0-2 90,2-3 24,0 1-45,1-3 140,-1 4-5,-2 3 24,2-7-63,-1 6-17,2-6 112,-3 7-143,0 0 24,3-6-7,-3 4 1,3-5-19,-2 5 21,-1 1-7,2-2-1,0-3 16,-1 4-10,2-4 8,-3 6-1,0 0-4,3-7 0,-3 5 0,3-5 0,-2 5 0,0 1 0,0-3 0,1-1 0,-1 4-11,2-6-2,-3 7 11,0 0 5,3-6-6,-3 4 4,3-5-3,-3 7 287,0 0-196,1-2-78,0 1 202,0-2-256,-4 10 55,2-6-117,-1 6 94,2-7-338,0 0 1,0 0 0</inkml:trace>
-</inkml:ink>
-</file>
-
-<file path=ppt/ink/ink20.xml><?xml version="1.0" encoding="utf-8"?>
-<inkml:ink xmlns:inkml="http://www.w3.org/2003/InkML">
-  <inkml:definitions>
-    <inkml:context xml:id="ctx0">
-      <inkml:inkSource xml:id="inkSrc0">
-        <inkml:traceFormat>
-          <inkml:channel name="X" type="integer" min="-2.14748E9" max="2.14748E9" units="cm"/>
-          <inkml:channel name="Y" type="integer" min="-2.14748E9" max="2.14748E9" units="cm"/>
-          <inkml:channel name="F" type="integer" max="32767" units="dev"/>
-        </inkml:traceFormat>
-        <inkml:channelProperties>
-          <inkml:channelProperty channel="X" name="resolution" value="1000" units="1/cm"/>
-          <inkml:channelProperty channel="Y" name="resolution" value="1000" units="1/cm"/>
-          <inkml:channelProperty channel="F" name="resolution" value="0" units="1/dev"/>
-        </inkml:channelProperties>
-      </inkml:inkSource>
-      <inkml:timestamp xml:id="ts0" timeString="2023-09-19T06:24:16.604"/>
-    </inkml:context>
-    <inkml:brush xml:id="br0">
-      <inkml:brushProperty name="width" value="0.08571" units="cm"/>
-      <inkml:brushProperty name="height" value="0.08571" units="cm"/>
-    </inkml:brush>
-  </inkml:definitions>
-  <inkml:trace contextRef="#ctx0" brushRef="#br0">1 154 10131,'3'0'613,"3"0"-411,-2 0 0,0 0-176,0 0 1,1 0 84,4 0 1,-2 0-131,2 0 1,0 0 88,2 0 1,1 0-93,1 0 1,-1 0 92,-1 0 0,2 0 13,-2 0 0,2 0-98,-4 0 0,1 0 86,-1 0 1,1 0-113,-1 0 1,0-1 95,-3-1 1,0 2 5,1-3 0,-1 3-15,1 0 1,-1 0-48,0 0 1,1 0 24,-1 0 0,-1 0-14,-1 0 0,0 0-146,3 0 168,-1 0 1,0 0 161,1 0-168,-1 0 1,1 0 289,-1 0-255,0 0 1,1 0-24,-1 0 39,1 0 0,-1 0 6,1 0 0,-1-1-141,0-1 1,1 1 127,-1-1 0,1 1-247,-1 1 1,-2 0 122,1 0 1,-1 0 305,2 0-265,1 0 79,-1 0 2,0 0 32,1 0-187,-1 0 135,-2 0-84,2 0 54,-6 0 0,5 0-49,-3-3 0,1 3 8,-1-2-4,-1 1 360,5-2-204,-5 2 61,4-2 0,-4 3 42,1-2-43,2 1-112,-4-2 0,4 3 3,-2 0 110,-1 0-375,2 0 102,-1 0 1,-1-1-7,1-1-21,-1 1 102,2-1-11,-2 2-2,1 0-315,1 0 195,-2 0-363,2 0 312,0 0 1,-2 0 29,3 0-323,-2 0 165,1 0-336,0 0 223,-3 0-179,3 0 1,-3 0-1</inkml:trace>
-  <inkml:trace contextRef="#ctx0" brushRef="#br0" timeOffset="458">399 7 8225,'-4'-3'2050,"1"2"-1360,3-2-520,3 3 0,1 2-39,5 0 0,-2 1 111,2-1 0,0-1-90,-1 1 1,2 2 19,-2 0 1,-1 0 30,2 0 0,-1 0-41,0 3 0,-1-2 26,2 0 1,-2 1 3,-1 0 1,-1 1-13,-1 1 1,-3 0-30,2-2 1,-3 0 25,0 1 0,0 1-74,0 1 1,0 0 88,-3 0 1,0 0-96,-4 2 0,0 1 57,-1-2 1,0 0-117,-3 1 0,1 0-254,-3 2 0,1-1 140,1 1 1,-1-1-548,1-1 1,-2 1 317,0-1 1,-2-1-668,5 1 1,0-4 366,-1 2 1,3 0-823,0-3 727,3 2 700,0-7 0,4 4 0,-2-1 0</inkml:trace>
-</inkml:ink>
-</file>
-
-<file path=ppt/ink/ink21.xml><?xml version="1.0" encoding="utf-8"?>
-<inkml:ink xmlns:inkml="http://www.w3.org/2003/InkML">
-  <inkml:definitions>
-    <inkml:context xml:id="ctx0">
-      <inkml:inkSource xml:id="inkSrc0">
-        <inkml:traceFormat>
-          <inkml:channel name="X" type="integer" min="-2.14748E9" max="2.14748E9" units="cm"/>
-          <inkml:channel name="Y" type="integer" min="-2.14748E9" max="2.14748E9" units="cm"/>
-          <inkml:channel name="F" type="integer" max="32767" units="dev"/>
-        </inkml:traceFormat>
-        <inkml:channelProperties>
-          <inkml:channelProperty channel="X" name="resolution" value="1000" units="1/cm"/>
-          <inkml:channelProperty channel="Y" name="resolution" value="1000" units="1/cm"/>
-          <inkml:channelProperty channel="F" name="resolution" value="0" units="1/dev"/>
-        </inkml:channelProperties>
-      </inkml:inkSource>
-      <inkml:timestamp xml:id="ts0" timeString="2023-09-19T07:24:19.280"/>
-    </inkml:context>
-    <inkml:brush xml:id="br0">
-      <inkml:brushProperty name="width" value="0.08571" units="cm"/>
-      <inkml:brushProperty name="height" value="0.08571" units="cm"/>
-    </inkml:brush>
-  </inkml:definitions>
-  <inkml:trace contextRef="#ctx0" brushRef="#br0">0 156 10753,'12'0'59,"-1"0"-54,3 0 0,1 0 0,2 0 0,1 0 29,-1 0 1,0 0-31,1 0 0,-7 0 14,1 0 1,-1 0-42,6 0 1,-5 0 10,0 0-15,-1 0 66,6 0-14,1 0 43,-1 0-48,0 0 43,1 0 0,-7 0-60,1 0 1,-7 0 1,7 0-13,-8 0-1,11 0 76,-13 0-42,6 0-18,-1 0 13,-5 0-8,6 0 24,-8 0 7,0 0-13,8 0-5,-6 0-34,5 0 37,-7 0-916,0 0 1,8-7 0,2-3-1</inkml:trace>
-  <inkml:trace contextRef="#ctx0" brushRef="#br0" timeOffset="548">294 1 8140,'10'0'-118,"5"0"1,-11 2 474,8 3 1,-7-3-351,7 4 0,-6-4 168,5-2-36,-7 8-58,11-6 1,-11 7 15,8-3 1,-6-4 74,5 4-80,-7 3 0,9-5-2,-7 8 0,0-7-7,-6 7 1,6-6-102,-1 5 1,1-5 185,-6 5-255,0-7 212,0 12-115,0-7-30,-8 9 0,-1-1-8,-8 0 1,-1-5-163,1-1 1,5-1 54,1 1 1,-1 3-166,-5-8 0,0 7 72,0-1 1,1-3-339,5 3 0,1-8 566,4 1 0,-3 5 0,-9 0 0</inkml:trace>
-</inkml:ink>
-</file>
-
-<file path=ppt/ink/ink22.xml><?xml version="1.0" encoding="utf-8"?>
-<inkml:ink xmlns:inkml="http://www.w3.org/2003/InkML">
-  <inkml:definitions>
-    <inkml:context xml:id="ctx0">
-      <inkml:inkSource xml:id="inkSrc0">
-        <inkml:traceFormat>
-          <inkml:channel name="X" type="integer" min="-2.14748E9" max="2.14748E9" units="cm"/>
-          <inkml:channel name="Y" type="integer" min="-2.14748E9" max="2.14748E9" units="cm"/>
-          <inkml:channel name="F" type="integer" max="32767" units="dev"/>
-        </inkml:traceFormat>
-        <inkml:channelProperties>
-          <inkml:channelProperty channel="X" name="resolution" value="1000" units="1/cm"/>
-          <inkml:channelProperty channel="Y" name="resolution" value="1000" units="1/cm"/>
-          <inkml:channelProperty channel="F" name="resolution" value="0" units="1/dev"/>
-        </inkml:channelProperties>
-      </inkml:inkSource>
-      <inkml:timestamp xml:id="ts0" timeString="2023-09-19T07:24:23.457"/>
-    </inkml:context>
-    <inkml:brush xml:id="br0">
-      <inkml:brushProperty name="width" value="0.08571" units="cm"/>
-      <inkml:brushProperty name="height" value="0.08571" units="cm"/>
-    </inkml:brush>
-  </inkml:definitions>
-  <inkml:trace contextRef="#ctx0" brushRef="#br0">1 135 8183,'5'0'409,"0"0"0,-2 0-60,2 0 0,-2 0-233,2 0 37,1 0 0,2 0 5,0 0 0,-1 0-21,1 0 0,3 0-3,0 0 1,-1 0-159,-2 0 0,1 0 107,2 0 1,-2 0-164,1 0 0,2 0 99,-2 0 1,1 0-154,-3 0 0,1 0 103,1 0 1,-1 0-83,2 0 75,-2 0 1,-1 0-29,0 0 52,0-3-3,0 2 33,-1-2-23,1 3-40,0 0 101,0 0-31,0 0 0,-2 0 156,-1 0 1,-2 0-104,2 0 1,-2 0 69,2 0 0,-2 0-95,2 0 1,-3 0-11,4 0 86,-4 0-81,5 0-31,-3 0-35,0 0-4,4 0 44,-4 0 1,1 0-10,1 0 1,-4 0 20,4 0-156,-5 0 1,4 0 49,-3 0-324,-1 0 234,3 0-898,-1 0-61,-2 0 809,3 0 0,-1 0 1,2 0-1</inkml:trace>
-  <inkml:trace contextRef="#ctx0" brushRef="#br0" timeOffset="408">295 0 8495,'4'5'568,"0"2"0,4-4-566,0 2 1,1 0 39,2-2 1,-2-2 124,1 5 0,2-1-51,-2 3 0,1-3 72,-3 1 0,0-1-65,0 3 1,-4 0-29,-1 0 0,-2 0 4,-1 0 1,0-2-199,0 2 1,-4-2 49,-1 5 1,-5-3-96,0 0 0,-5 1 141,2 2 0,-2-1-149,-1 3 0,1-3-196,2 0 1,-2 2 89,2-2 1,0 1-406,0-3 1,6 0 662,-1 0 0,2 0 0,-2 0 0</inkml:trace>
-</inkml:ink>
-</file>
-
-<file path=ppt/ink/ink23.xml><?xml version="1.0" encoding="utf-8"?>
-<inkml:ink xmlns:inkml="http://www.w3.org/2003/InkML">
-  <inkml:definitions>
-    <inkml:context xml:id="ctx0">
-      <inkml:inkSource xml:id="inkSrc0">
-        <inkml:traceFormat>
-          <inkml:channel name="X" type="integer" min="-2.14748E9" max="2.14748E9" units="cm"/>
-          <inkml:channel name="Y" type="integer" min="-2.14748E9" max="2.14748E9" units="cm"/>
-          <inkml:channel name="F" type="integer" max="32767" units="dev"/>
-        </inkml:traceFormat>
-        <inkml:channelProperties>
-          <inkml:channelProperty channel="X" name="resolution" value="1000" units="1/cm"/>
-          <inkml:channelProperty channel="Y" name="resolution" value="1000" units="1/cm"/>
-          <inkml:channelProperty channel="F" name="resolution" value="0" units="1/dev"/>
-        </inkml:channelProperties>
-      </inkml:inkSource>
-      <inkml:timestamp xml:id="ts0" timeString="2023-09-19T07:24:39.271"/>
-    </inkml:context>
-    <inkml:brush xml:id="br0">
-      <inkml:brushProperty name="width" value="0.08571" units="cm"/>
-      <inkml:brushProperty name="height" value="0.08571" units="cm"/>
-    </inkml:brush>
-  </inkml:definitions>
-  <inkml:trace contextRef="#ctx0" brushRef="#br0">1 144 8252,'5'0'1029,"0"0"1,-2 0-733,2 0 1,-2 0-136,2 0-78,-3 0 1,5 0 1,-4 1-15,3 1 1,1-1-5,-2 2 1,0-2 86,0-1-93,0 0 1,3 0 4,0 0 1,-3 0-19,1 0 0,-1 0 16,3 0 0,-3 0 3,1 0 1,-1 0 0,3-3 1,0 1 0,-3-1 52,0 3-5,1 0 69,2 0-86,0 0 1,0-1 133,0-2-82,-4 3-197,3-4 123,-2 4 0,2-1-32,-2-2 1,-1 3 11,-1-3-18,-2 2-38,6 1-20,-6 0 0,6 0 1,-5 0 67,3 0-21,-3 0 0,2 0 18,-1 0 2,-2 0 13,6 0 1,-5 0 6,3 0 0,-2 0 26,2 0-38,-3 0 1,2 0 29,-1 0-1,-2 0-69,6 0 1,-6 3 77,5-1-144,-4 1 90,5-3 1,-6 0 37,5 0-131,-5 0 79,7 0 0,-7 0-22,5 0 16,-5 0 0,4 0 70,-3 0-47,-1 0 43,6 0 11,-6 0-44,6 0 1,-5-3-11,3 1 11,-3-1-55,5 3 1,-5 0 64,3 0-96,-3 0 1,4-1 71,-3-2 118,0 3-139,0-4 0,-1 4 25,3 0-31,-3 0 0,2 0 31,-1 0-24,-2 0 0,3 0 34,-1 0 19,-2 0 1,3 0-25,-1 0 148,-2 0-117,2 0 2,1 0-36,-3 0 57,2 0-90,1 0 63,-3 0-179,2 0 148,1 0-162,-3 0-44,2 0 8,1 0-24,-3 0-1730,2 0 0,1 0 0,0 0 0</inkml:trace>
-  <inkml:trace contextRef="#ctx0" brushRef="#br0" timeOffset="459">383 1 8271,'8'5'-21,"0"0"0,1-2-279,1 2 1,-1 0 188,2 0 1,-3 2 218,0-2 1,0 2 0,0 1 0,0-1 7,0 1 0,-2-3-133,-1 3 1,-3 0 116,0-3 1,2 2 55,-1 1 28,-1 0-132,-2 0 1,0 0-29,0 0 0,-1-3-19,-1 1 1,0-4 13,-3 4 0,0-1-102,0 3 0,-2 0-4,1 0 1,-2 0 65,-2 0 1,1 1-250,-2 1 0,0-1 59,0 2 1,0-5-369,0-1 1,1 0 578,-3 3 0,3 0 0,0 0 0,-3 0 0,1 0 0</inkml:trace>
-</inkml:ink>
-</file>
-
-<file path=ppt/ink/ink24.xml><?xml version="1.0" encoding="utf-8"?>
-<inkml:ink xmlns:inkml="http://www.w3.org/2003/InkML">
-  <inkml:definitions>
-    <inkml:context xml:id="ctx0">
-      <inkml:inkSource xml:id="inkSrc0">
-        <inkml:traceFormat>
-          <inkml:channel name="X" type="integer" min="-2.14748E9" max="2.14748E9" units="cm"/>
-          <inkml:channel name="Y" type="integer" min="-2.14748E9" max="2.14748E9" units="cm"/>
-          <inkml:channel name="F" type="integer" max="32767" units="dev"/>
-        </inkml:traceFormat>
-        <inkml:channelProperties>
-          <inkml:channelProperty channel="X" name="resolution" value="1000" units="1/cm"/>
-          <inkml:channelProperty channel="Y" name="resolution" value="1000" units="1/cm"/>
-          <inkml:channelProperty channel="F" name="resolution" value="0" units="1/dev"/>
-        </inkml:channelProperties>
-      </inkml:inkSource>
-      <inkml:timestamp xml:id="ts0" timeString="2023-09-19T07:24:54.460"/>
-    </inkml:context>
-    <inkml:brush xml:id="br0">
-      <inkml:brushProperty name="width" value="0.08571" units="cm"/>
-      <inkml:brushProperty name="height" value="0.08571" units="cm"/>
-    </inkml:brush>
-  </inkml:definitions>
-  <inkml:trace contextRef="#ctx0" brushRef="#br0">1 112 8400,'8'0'1144,"0"0"1,0 1-963,0 2 1,-3-2-27,0 1 0,-2-1-28,2-1 1,1 0 21,2 0 1,-3 0-149,0 0 1,1 0 111,2 0 1,-1 0 65,1 0-116,0 0 0,0 0-3,0 0 0,3 0 23,0 0 1,-1 0-6,-2 0 0,0 0 35,0 0 0,0 0-24,0 0 1,0 0-27,0 0 1,0 0 21,0 0 1,0 0 56,0 0-79,0 0 0,0 0 90,0 0-164,0 0 0,0 0 78,0 0 1,-3-1-237,0-1 259,0 1-113,3-3 0,-2 4 89,-1 0 1,-2-1 44,2-1-83,-3 1 1,2-3 48,-1 4-46,-2 0 0,3 0 58,-1 0-125,-2 0 1,5 1 108,-3 2-66,-1-2 55,2 2 0,-2-3 57,3 0 11,-3 0 1,2 0-44,-1 0-33,-2 0 52,6 0-158,-6 0 155,6 0-3,-7 0 44,8 0-6,-8 0-58,8 0-34,-8 0 1,5 0-90,-3 0 133,-1 0-283,6 0 164,-6 0-8,6 0 29,-6 0-8,6 0-5,-6 0 11,3 0-375,-1 0 223,-2 0-1385,3 0 1,-8-3 0,0-2 0</inkml:trace>
-  <inkml:trace contextRef="#ctx0" brushRef="#br0" timeOffset="500">327 1 7979,'0'5'-61,"0"0"209,0-3 99,4 5 0,0-3-141,4 1 1,-1-1 281,-1-1 0,1 1-84,-2 1 0,2 2 268,1-2-391,4 2 0,-4 1 30,3 0 0,-2-1-99,-1-1 1,-1 1-152,-2-2 0,1 0-80,-3 0 138,0-3 78,0 5 29,-2-6-97,-1 6 0,-4-4 14,-4 2 1,0 0-113,0-2 1,0 1-5,0 4 0,-3 0-202,1 0 1,-2 0 49,2 0 0,0 0-216,-3 0 0,3 2-27,-1 1 0,2 0 139,1-3 0,1 2-533,-1 1 0,2-3 862,1-3 0,3 0 0,-5 3 0,3 0 0</inkml:trace>
-</inkml:ink>
-</file>
-
-<file path=ppt/ink/ink25.xml><?xml version="1.0" encoding="utf-8"?>
-<inkml:ink xmlns:inkml="http://www.w3.org/2003/InkML">
-  <inkml:definitions>
-    <inkml:context xml:id="ctx0">
-      <inkml:inkSource xml:id="inkSrc0">
-        <inkml:traceFormat>
-          <inkml:channel name="X" type="integer" min="-2.14748E9" max="2.14748E9" units="cm"/>
-          <inkml:channel name="Y" type="integer" min="-2.14748E9" max="2.14748E9" units="cm"/>
-          <inkml:channel name="F" type="integer" max="32767" units="dev"/>
-        </inkml:traceFormat>
-        <inkml:channelProperties>
-          <inkml:channelProperty channel="X" name="resolution" value="1000" units="1/cm"/>
-          <inkml:channelProperty channel="Y" name="resolution" value="1000" units="1/cm"/>
-          <inkml:channelProperty channel="F" name="resolution" value="0" units="1/dev"/>
-        </inkml:channelProperties>
-      </inkml:inkSource>
-      <inkml:timestamp xml:id="ts0" timeString="2023-09-19T07:25:28.349"/>
-    </inkml:context>
-    <inkml:brush xml:id="br0">
-      <inkml:brushProperty name="width" value="0.08571" units="cm"/>
-      <inkml:brushProperty name="height" value="0.08571" units="cm"/>
-    </inkml:brush>
-  </inkml:definitions>
-  <inkml:trace contextRef="#ctx0" brushRef="#br0">0 120 8073,'5'0'1052,"2"0"-958,-3 0 1,4 0-30,0 0 0,0 0 22,0 0 0,3 0 5,-1 0 1,4 0-25,-4 0 1,4 0-2,-4 0 0,3 0-15,-2 0 1,2 0-19,-2 0 1,2 0-41,-2 0 0,0 0 76,-4 0 1,1 0-134,0 0 1,0 0 140,0 0-102,0-4 0,0 3 45,0-2 0,-2 3-3,-1 0 0,-3 0 9,4 0-4,-4 0-14,5 0 1,-6-1 42,5-2-85,-5 2 0,4-2 63,-2 3-47,-3 0 0,5 0 27,-2 0 5,-3 0 1,5 0 9,-3 0 1,-1-1 2,2-2 1,-1 2-1,0-1 18,-1 1-122,3 1 104,-1 0-303,-2 0-762,3 0 1,-4 0 0</inkml:trace>
-  <inkml:trace contextRef="#ctx0" brushRef="#br0" timeOffset="466">247 0 8050,'5'4'-179,"-1"-3"456,-1 5 1,-1-4-44,3 0 0,-2 2-250,2-2 1,-3 2 115,4-1 0,-2-2-47,2 5 1,1-2-22,-2 1 0,2 2-109,1-1 1,-3-2 138,1 1 1,-1 0-10,3 0 0,-3 2 109,0-1-115,-3 1 0,2 1 19,-4 0 1,0-3 38,0 0-75,0 1 1,-3 1 30,0 1 0,-3-2 6,1-1 0,1 0-69,-2 3 0,1-2-141,-3-1 0,0 0-256,0 3 1,0 0 169,0 0 0,0 0-48,0 0 0,0-3-86,0 1 363,0-1 0,0 3 0,0 0 0</inkml:trace>
-</inkml:ink>
-</file>
-
-<file path=ppt/ink/ink26.xml><?xml version="1.0" encoding="utf-8"?>
-<inkml:ink xmlns:inkml="http://www.w3.org/2003/InkML">
-  <inkml:definitions>
-    <inkml:context xml:id="ctx0">
-      <inkml:inkSource xml:id="inkSrc0">
-        <inkml:traceFormat>
-          <inkml:channel name="X" type="integer" min="-2.14748E9" max="2.14748E9" units="cm"/>
-          <inkml:channel name="Y" type="integer" min="-2.14748E9" max="2.14748E9" units="cm"/>
-          <inkml:channel name="F" type="integer" max="32767" units="dev"/>
-        </inkml:traceFormat>
-        <inkml:channelProperties>
-          <inkml:channelProperty channel="X" name="resolution" value="1000" units="1/cm"/>
-          <inkml:channelProperty channel="Y" name="resolution" value="1000" units="1/cm"/>
-          <inkml:channelProperty channel="F" name="resolution" value="0" units="1/dev"/>
-        </inkml:channelProperties>
-      </inkml:inkSource>
-      <inkml:timestamp xml:id="ts0" timeString="2023-09-19T07:25:36.268"/>
-    </inkml:context>
-    <inkml:brush xml:id="br0">
-      <inkml:brushProperty name="width" value="0.08571" units="cm"/>
-      <inkml:brushProperty name="height" value="0.08571" units="cm"/>
-    </inkml:brush>
-  </inkml:definitions>
-  <inkml:trace contextRef="#ctx0" brushRef="#br0">127 1 8834,'0'7'1876,"0"0"-1448,0-3-145,0-3-260,0 11 1,0-5 145,0 5 1,4 1-193,0-1 0,2 7 97,-2 1 1,-3 4-49,3 1 1,-2 2 88,-2 2 0,0 8-12,0 4 1,0 1-56,0-4 0,0 0 13,0-1 1,0 5-23,0 0 0,0-4 47,0-4 0,0-7-41,0 3 1,-2 0 28,-2 0 0,3-1-105,-3-4 0,2-4 32,2 0 0,-4 3-16,0 1 1,0 2-4,4-11 0,0 5 59,0-4 1,0 4-96,0-4 1,0 0 65,0-5 1,0 1-20,0-1 11,0 6 1,1-4-21,3 3 1,-2-7 19,2-2 2,-3 1 27,-1 3-19,0 1 11,0-1-10,0 1 75,0 0-80,0-1 30,0 1-25,0-1-9,0 1 0,0-5-132,0 1 140,0-7-114,0 10 1,0-10 90,0 7 1,0-5 1,0 4 1,0-3-15,0 3 1,0-4 10,0 4-11,0 1 0,0 3 54,0 1 0,0-5-13,0 1 13,0-1 18,0 5 0,0-1-47,0 1 1,0-5 34,0 1 0,0-5-30,0 4 0,0-4 51,0 5 0,0-5-41,0 4 0,0-4-36,0 5 25,0-6-11,0 8 47,0-10-15,0 10 249,0-9-242,0 3 135,0 1 43,0-5 7,0 11-153,0-11 0,0 6 95,0-3-104,0-2-22,0 3 0,0-3-348,0 2 223,0-3-191,0 5 232,0-6-26,6 0 71,-5 0 7,5 0 439,-6 0-1483,0 0 1,0-6 0,0-1-1</inkml:trace>
-  <inkml:trace contextRef="#ctx0" brushRef="#br0" timeOffset="526">1 1120 9859,'0'12'-249,"0"1"324,0-1 1,0 2 45,0 3 1,4-1 2,0 4 1,6 3 19,-2 6 1,4 3 9,0 6 1,1 0-10,-1-1 1,1-3-9,-1-1 1,1-5-210,0 2 0,3-9 131,1-5 0,0-3 63,-5-5 1,-3-2-20,-1-6 1,-1-7-29,2-6 1,2-1-4,-3-7 1,3-4-135,2-4 1,-1-6-78,1 2 0,0-4-283,-1 0 0,1 3 265,-1 1 1,2-1 145,3-4 11,-3 1 0,4-1 0,-5 0 0</inkml:trace>
-</inkml:ink>
-</file>
-
-<file path=ppt/ink/ink27.xml><?xml version="1.0" encoding="utf-8"?>
-<inkml:ink xmlns:inkml="http://www.w3.org/2003/InkML">
-  <inkml:definitions>
-    <inkml:context xml:id="ctx0">
-      <inkml:inkSource xml:id="inkSrc0">
-        <inkml:traceFormat>
-          <inkml:channel name="X" type="integer" min="-2.14748E9" max="2.14748E9" units="cm"/>
-          <inkml:channel name="Y" type="integer" min="-2.14748E9" max="2.14748E9" units="cm"/>
-          <inkml:channel name="F" type="integer" max="32767" units="dev"/>
-        </inkml:traceFormat>
-        <inkml:channelProperties>
-          <inkml:channelProperty channel="X" name="resolution" value="1000" units="1/cm"/>
-          <inkml:channelProperty channel="Y" name="resolution" value="1000" units="1/cm"/>
-          <inkml:channelProperty channel="F" name="resolution" value="0" units="1/dev"/>
-        </inkml:channelProperties>
-      </inkml:inkSource>
-      <inkml:timestamp xml:id="ts0" timeString="2023-09-19T07:26:14.609"/>
-    </inkml:context>
-    <inkml:brush xml:id="br0">
-      <inkml:brushProperty name="width" value="0.08571" units="cm"/>
-      <inkml:brushProperty name="height" value="0.08571" units="cm"/>
-    </inkml:brush>
-  </inkml:definitions>
-  <inkml:trace contextRef="#ctx0" brushRef="#br0">133 0 6960,'-1'8'1738,"-3"-4"-1053,2-2-409,-4 4 1,6-3-13,0 5-6,0-5 0,0 5-226,0-4 1,0-1 6,0 6-45,0 0 1,0 4 108,0 0 1,0 5-204,0 0 0,0 0-3,0-5 0,0 6 116,0 3 1,0-1-62,0 1 1,0-4 86,0 4 1,0-2-152,0 3 0,0 0 86,0-5 1,0 4-11,0-4 1,0 1-47,0-1 1,0-4-9,0 4 0,0-3-31,0-2 0,0 2 88,0 3 1,0-8-93,0 3 0,0-2 65,0 2 1,5 2-35,-1 2 0,0-6 47,-4 2 1,0-3-3,0 4 1,2-1 46,2 0 0,-2 0 13,2 1 1,-2-1 10,-2 0 1,0 1-55,0-1 1,0-4 83,0 0 1,0-1-59,0 6 1,0-1-5,0 0 0,0-4 1,0 0 1,1-2-3,4 2 0,-4 3 8,3-3 1,-2 3-4,-2 1 0,0-4 15,0 0 1,0 0-21,0 4 1,0-4 90,0 0-84,0-1 0,0 6 165,0-1-142,0 0 1,0 1 18,0-1 1,0-4 19,0 0 1,0-1-13,0 6 22,0-1 1,0 0-36,0 1 1,0-1-29,0 0 0,0-4 27,0 0 1,0 0 17,0 4 1,0 0-20,0 1 0,0-6 3,0 1 0,0 0-11,0 4 1,0-4-4,0 0 0,0-5-51,0 5 1,0-4 53,0 4 0,0-5-7,0 5 1,0-5 4,0 5 0,0-4-33,0 3 1,0-3 23,0 4 1,0-5 3,0 5 0,0-5 0,0 5 0,0-4 20,0 4 66,0-6 1,0 8 159,0-3-226,0-1 0,0 1 102,0-4-51,0-3 6,0 5-63,0 0-22,0-4-19,0 10-30,0-11-47,0 5 116,0 0-55,0-5 31,0 5-85,0-6-537,0 0 1,6 6 0,1 1-1</inkml:trace>
-  <inkml:trace contextRef="#ctx0" brushRef="#br0" timeOffset="433">14 1076 7197,'-8'0'2519,"3"0"-1935,5 0-492,0 0 1,0 6 107,0 3 1,4 3-111,0 1 0,7 5 13,-2 0 1,-2 5 48,2-1 1,-2 4-79,2 0 1,3-4 26,-3 0 0,-2 0-115,2 5 1,-5-5 87,5 0 1,-4-5-98,4 0 1,-5-2 128,5-2 0,-5-4 118,5 0-74,-6-6 1,9-3 12,-3-9 0,-2-4 61,2-5 1,-2-3-107,2-5 1,3-7-117,-3-2 0,3 1 95,1-1 0,0 1-501,1-2 0,0 4 110,4 5 1,-3 1-50,2-1 1,-2 5-195,-1 0 1,3 6-1270,1-2 1806,0 9 0,1-9 0,2 4 0</inkml:trace>
 </inkml:ink>
 </file>
 
@@ -1034,7 +669,7 @@
           <a:p>
             <a:fld id="{18A68C89-AC0B-2D4B-A9C5-9F0AC456ED81}" type="datetimeFigureOut">
               <a:rPr lang="en-US" altLang="zh-TW" smtClean="0"/>
-              <a:t>9/21/23</a:t>
+              <a:t>10/8/2023</a:t>
             </a:fld>
             <a:endParaRPr lang="zh-TW" altLang="en-US"/>
           </a:p>
@@ -1232,7 +867,7 @@
           <a:p>
             <a:fld id="{18A68C89-AC0B-2D4B-A9C5-9F0AC456ED81}" type="datetimeFigureOut">
               <a:rPr lang="en-US" altLang="zh-TW" smtClean="0"/>
-              <a:t>9/21/23</a:t>
+              <a:t>10/8/2023</a:t>
             </a:fld>
             <a:endParaRPr lang="zh-TW" altLang="en-US"/>
           </a:p>
@@ -1440,7 +1075,7 @@
           <a:p>
             <a:fld id="{18A68C89-AC0B-2D4B-A9C5-9F0AC456ED81}" type="datetimeFigureOut">
               <a:rPr lang="en-US" altLang="zh-TW" smtClean="0"/>
-              <a:t>9/21/23</a:t>
+              <a:t>10/8/2023</a:t>
             </a:fld>
             <a:endParaRPr lang="zh-TW" altLang="en-US"/>
           </a:p>
@@ -1638,7 +1273,7 @@
           <a:p>
             <a:fld id="{18A68C89-AC0B-2D4B-A9C5-9F0AC456ED81}" type="datetimeFigureOut">
               <a:rPr lang="en-US" altLang="zh-TW" smtClean="0"/>
-              <a:t>9/21/23</a:t>
+              <a:t>10/8/2023</a:t>
             </a:fld>
             <a:endParaRPr lang="zh-TW" altLang="en-US"/>
           </a:p>
@@ -1913,7 +1548,7 @@
           <a:p>
             <a:fld id="{18A68C89-AC0B-2D4B-A9C5-9F0AC456ED81}" type="datetimeFigureOut">
               <a:rPr lang="en-US" altLang="zh-TW" smtClean="0"/>
-              <a:t>9/21/23</a:t>
+              <a:t>10/8/2023</a:t>
             </a:fld>
             <a:endParaRPr lang="zh-TW" altLang="en-US"/>
           </a:p>
@@ -2178,7 +1813,7 @@
           <a:p>
             <a:fld id="{18A68C89-AC0B-2D4B-A9C5-9F0AC456ED81}" type="datetimeFigureOut">
               <a:rPr lang="en-US" altLang="zh-TW" smtClean="0"/>
-              <a:t>9/21/23</a:t>
+              <a:t>10/8/2023</a:t>
             </a:fld>
             <a:endParaRPr lang="zh-TW" altLang="en-US"/>
           </a:p>
@@ -2590,7 +2225,7 @@
           <a:p>
             <a:fld id="{18A68C89-AC0B-2D4B-A9C5-9F0AC456ED81}" type="datetimeFigureOut">
               <a:rPr lang="en-US" altLang="zh-TW" smtClean="0"/>
-              <a:t>9/21/23</a:t>
+              <a:t>10/8/2023</a:t>
             </a:fld>
             <a:endParaRPr lang="zh-TW" altLang="en-US"/>
           </a:p>
@@ -2731,7 +2366,7 @@
           <a:p>
             <a:fld id="{18A68C89-AC0B-2D4B-A9C5-9F0AC456ED81}" type="datetimeFigureOut">
               <a:rPr lang="en-US" altLang="zh-TW" smtClean="0"/>
-              <a:t>9/21/23</a:t>
+              <a:t>10/8/2023</a:t>
             </a:fld>
             <a:endParaRPr lang="zh-TW" altLang="en-US"/>
           </a:p>
@@ -2844,7 +2479,7 @@
           <a:p>
             <a:fld id="{18A68C89-AC0B-2D4B-A9C5-9F0AC456ED81}" type="datetimeFigureOut">
               <a:rPr lang="en-US" altLang="zh-TW" smtClean="0"/>
-              <a:t>9/21/23</a:t>
+              <a:t>10/8/2023</a:t>
             </a:fld>
             <a:endParaRPr lang="zh-TW" altLang="en-US"/>
           </a:p>
@@ -3155,7 +2790,7 @@
           <a:p>
             <a:fld id="{18A68C89-AC0B-2D4B-A9C5-9F0AC456ED81}" type="datetimeFigureOut">
               <a:rPr lang="en-US" altLang="zh-TW" smtClean="0"/>
-              <a:t>9/21/23</a:t>
+              <a:t>10/8/2023</a:t>
             </a:fld>
             <a:endParaRPr lang="zh-TW" altLang="en-US"/>
           </a:p>
@@ -3443,7 +3078,7 @@
           <a:p>
             <a:fld id="{18A68C89-AC0B-2D4B-A9C5-9F0AC456ED81}" type="datetimeFigureOut">
               <a:rPr lang="en-US" altLang="zh-TW" smtClean="0"/>
-              <a:t>9/21/23</a:t>
+              <a:t>10/8/2023</a:t>
             </a:fld>
             <a:endParaRPr lang="zh-TW" altLang="en-US"/>
           </a:p>
@@ -3684,7 +3319,7 @@
           <a:p>
             <a:fld id="{18A68C89-AC0B-2D4B-A9C5-9F0AC456ED81}" type="datetimeFigureOut">
               <a:rPr lang="en-US" altLang="zh-TW" smtClean="0"/>
-              <a:t>9/21/23</a:t>
+              <a:t>10/8/2023</a:t>
             </a:fld>
             <a:endParaRPr lang="zh-TW" altLang="en-US"/>
           </a:p>
@@ -4161,222 +3796,6 @@
     <p:extLst>
       <p:ext uri="{BB962C8B-B14F-4D97-AF65-F5344CB8AC3E}">
         <p14:creationId xmlns:p14="http://schemas.microsoft.com/office/powerpoint/2010/main" val="1858901241"/>
-      </p:ext>
-    </p:extLst>
-  </p:cSld>
-  <p:clrMapOvr>
-    <a:masterClrMapping/>
-  </p:clrMapOvr>
-</p:sld>
-</file>
-
-<file path=ppt/slides/slide10.xml><?xml version="1.0" encoding="utf-8"?>
-<p:sld xmlns:a="http://schemas.openxmlformats.org/drawingml/2006/main" xmlns:r="http://schemas.openxmlformats.org/officeDocument/2006/relationships" xmlns:p="http://schemas.openxmlformats.org/presentationml/2006/main">
-  <p:cSld>
-    <p:spTree>
-      <p:nvGrpSpPr>
-        <p:cNvPr id="1" name=""/>
-        <p:cNvGrpSpPr/>
-        <p:nvPr/>
-      </p:nvGrpSpPr>
-      <p:grpSpPr>
-        <a:xfrm>
-          <a:off x="0" y="0"/>
-          <a:ext cx="0" cy="0"/>
-          <a:chOff x="0" y="0"/>
-          <a:chExt cx="0" cy="0"/>
-        </a:xfrm>
-      </p:grpSpPr>
-      <p:pic>
-        <p:nvPicPr>
-          <p:cNvPr id="5" name="圖片 4">
-            <a:extLst>
-              <a:ext uri="{FF2B5EF4-FFF2-40B4-BE49-F238E27FC236}">
-                <a16:creationId xmlns:a16="http://schemas.microsoft.com/office/drawing/2014/main" id="{24C6409D-4570-FF2B-FB72-CF5A946CC359}"/>
-              </a:ext>
-            </a:extLst>
-          </p:cNvPr>
-          <p:cNvPicPr>
-            <a:picLocks noChangeAspect="1"/>
-          </p:cNvPicPr>
-          <p:nvPr/>
-        </p:nvPicPr>
-        <p:blipFill>
-          <a:blip r:embed="rId2"/>
-          <a:stretch>
-            <a:fillRect/>
-          </a:stretch>
-        </p:blipFill>
-        <p:spPr>
-          <a:xfrm>
-            <a:off x="5652745" y="2852416"/>
-            <a:ext cx="5665195" cy="2800771"/>
-          </a:xfrm>
-          <a:prstGeom prst="rect">
-            <a:avLst/>
-          </a:prstGeom>
-        </p:spPr>
-      </p:pic>
-      <p:pic>
-        <p:nvPicPr>
-          <p:cNvPr id="10" name="圖片 9">
-            <a:extLst>
-              <a:ext uri="{FF2B5EF4-FFF2-40B4-BE49-F238E27FC236}">
-                <a16:creationId xmlns:a16="http://schemas.microsoft.com/office/drawing/2014/main" id="{2A16B90D-375E-E120-6E8E-5121DDBFB1B3}"/>
-              </a:ext>
-            </a:extLst>
-          </p:cNvPr>
-          <p:cNvPicPr>
-            <a:picLocks noChangeAspect="1"/>
-          </p:cNvPicPr>
-          <p:nvPr/>
-        </p:nvPicPr>
-        <p:blipFill>
-          <a:blip r:embed="rId3"/>
-          <a:stretch>
-            <a:fillRect/>
-          </a:stretch>
-        </p:blipFill>
-        <p:spPr>
-          <a:xfrm>
-            <a:off x="191082" y="2852416"/>
-            <a:ext cx="5260449" cy="2600671"/>
-          </a:xfrm>
-          <a:prstGeom prst="rect">
-            <a:avLst/>
-          </a:prstGeom>
-        </p:spPr>
-      </p:pic>
-      <p:sp>
-        <p:nvSpPr>
-          <p:cNvPr id="11" name="文字方塊 10">
-            <a:extLst>
-              <a:ext uri="{FF2B5EF4-FFF2-40B4-BE49-F238E27FC236}">
-                <a16:creationId xmlns:a16="http://schemas.microsoft.com/office/drawing/2014/main" id="{D589744F-F536-571B-14B6-76A90B0F3D3D}"/>
-              </a:ext>
-            </a:extLst>
-          </p:cNvPr>
-          <p:cNvSpPr txBox="1"/>
-          <p:nvPr/>
-        </p:nvSpPr>
-        <p:spPr>
-          <a:xfrm>
-            <a:off x="2416238" y="2414281"/>
-            <a:ext cx="1828800" cy="369332"/>
-          </a:xfrm>
-          <a:prstGeom prst="rect">
-            <a:avLst/>
-          </a:prstGeom>
-          <a:noFill/>
-        </p:spPr>
-        <p:txBody>
-          <a:bodyPr wrap="square" rtlCol="0">
-            <a:spAutoFit/>
-          </a:bodyPr>
-          <a:lstStyle/>
-          <a:p>
-            <a:pPr algn="l"/>
-            <a:r>
-              <a:rPr lang="en-US" altLang="zh-TW" dirty="0"/>
-              <a:t>40 epochs</a:t>
-            </a:r>
-            <a:endParaRPr lang="zh-TW" altLang="en-US" dirty="0"/>
-          </a:p>
-        </p:txBody>
-      </p:sp>
-      <p:sp>
-        <p:nvSpPr>
-          <p:cNvPr id="13" name="文字方塊 12">
-            <a:extLst>
-              <a:ext uri="{FF2B5EF4-FFF2-40B4-BE49-F238E27FC236}">
-                <a16:creationId xmlns:a16="http://schemas.microsoft.com/office/drawing/2014/main" id="{936BCA30-33D6-28D9-CFB3-513740D9154C}"/>
-              </a:ext>
-            </a:extLst>
-          </p:cNvPr>
-          <p:cNvSpPr txBox="1"/>
-          <p:nvPr/>
-        </p:nvSpPr>
-        <p:spPr>
-          <a:xfrm>
-            <a:off x="8059520" y="2419620"/>
-            <a:ext cx="1828800" cy="369332"/>
-          </a:xfrm>
-          <a:prstGeom prst="rect">
-            <a:avLst/>
-          </a:prstGeom>
-          <a:noFill/>
-        </p:spPr>
-        <p:txBody>
-          <a:bodyPr wrap="square" rtlCol="0">
-            <a:spAutoFit/>
-          </a:bodyPr>
-          <a:lstStyle/>
-          <a:p>
-            <a:pPr algn="l"/>
-            <a:r>
-              <a:rPr lang="en-US" altLang="zh-TW" dirty="0"/>
-              <a:t>30 epochs</a:t>
-            </a:r>
-            <a:endParaRPr lang="zh-TW" altLang="en-US" dirty="0"/>
-          </a:p>
-        </p:txBody>
-      </p:sp>
-      <p:sp>
-        <p:nvSpPr>
-          <p:cNvPr id="14" name="文字方塊 13">
-            <a:extLst>
-              <a:ext uri="{FF2B5EF4-FFF2-40B4-BE49-F238E27FC236}">
-                <a16:creationId xmlns:a16="http://schemas.microsoft.com/office/drawing/2014/main" id="{383BB2FA-2EEF-0734-C9AA-B746BEFA75BD}"/>
-              </a:ext>
-            </a:extLst>
-          </p:cNvPr>
-          <p:cNvSpPr txBox="1"/>
-          <p:nvPr/>
-        </p:nvSpPr>
-        <p:spPr>
-          <a:xfrm>
-            <a:off x="2821307" y="1404913"/>
-            <a:ext cx="6549386" cy="830997"/>
-          </a:xfrm>
-          <a:prstGeom prst="rect">
-            <a:avLst/>
-          </a:prstGeom>
-          <a:noFill/>
-        </p:spPr>
-        <p:txBody>
-          <a:bodyPr wrap="square" rtlCol="0">
-            <a:spAutoFit/>
-          </a:bodyPr>
-          <a:lstStyle/>
-          <a:p>
-            <a:pPr algn="l"/>
-            <a:r>
-              <a:rPr lang="zh-TW" altLang="en-US" sz="2400" dirty="0"/>
-              <a:t>我先做了</a:t>
-            </a:r>
-            <a:r>
-              <a:rPr lang="en-US" altLang="zh-TW" sz="2400" dirty="0"/>
-              <a:t>epochs=40</a:t>
-            </a:r>
-            <a:r>
-              <a:rPr lang="zh-TW" altLang="en-US" sz="2400" dirty="0"/>
-              <a:t>，才決定讓它訓練</a:t>
-            </a:r>
-            <a:r>
-              <a:rPr lang="en-US" altLang="zh-TW" sz="2400" dirty="0"/>
-              <a:t>30epochs</a:t>
-            </a:r>
-            <a:r>
-              <a:rPr lang="zh-TW" altLang="en-US" sz="2400" dirty="0"/>
-              <a:t>，這樣的做法很費時，可以使用「早停法」</a:t>
-            </a:r>
-          </a:p>
-        </p:txBody>
-      </p:sp>
-    </p:spTree>
-    <p:extLst>
-      <p:ext uri="{BB962C8B-B14F-4D97-AF65-F5344CB8AC3E}">
-        <p14:creationId xmlns:p14="http://schemas.microsoft.com/office/powerpoint/2010/main" val="2451869120"/>
       </p:ext>
     </p:extLst>
   </p:cSld>
@@ -5360,7 +4779,7 @@
           <p:cNvPr id="2" name="標題 1">
             <a:extLst>
               <a:ext uri="{FF2B5EF4-FFF2-40B4-BE49-F238E27FC236}">
-                <a16:creationId xmlns:a16="http://schemas.microsoft.com/office/drawing/2014/main" id="{55E796C1-26D0-BCAE-0B0A-0AA6A35B1EB1}"/>
+                <a16:creationId xmlns:a16="http://schemas.microsoft.com/office/drawing/2014/main" id="{CA058A86-B29F-D8E5-89A0-58D9B3C00B6A}"/>
               </a:ext>
             </a:extLst>
           </p:cNvPr>
@@ -5389,10 +4808,10 @@
       </p:sp>
       <p:sp>
         <p:nvSpPr>
-          <p:cNvPr id="4" name="文字方塊 3">
-            <a:extLst>
-              <a:ext uri="{FF2B5EF4-FFF2-40B4-BE49-F238E27FC236}">
-                <a16:creationId xmlns:a16="http://schemas.microsoft.com/office/drawing/2014/main" id="{E9DA58A0-4BDD-4CBE-71C2-8890A3927615}"/>
+          <p:cNvPr id="6" name="文字方塊 5">
+            <a:extLst>
+              <a:ext uri="{FF2B5EF4-FFF2-40B4-BE49-F238E27FC236}">
+                <a16:creationId xmlns:a16="http://schemas.microsoft.com/office/drawing/2014/main" id="{A8787B88-99AA-31E7-2218-688F5F3BB442}"/>
               </a:ext>
             </a:extLst>
           </p:cNvPr>
@@ -5400,547 +4819,16 @@
           <p:nvPr/>
         </p:nvSpPr>
         <p:spPr>
-          <a:xfrm>
-            <a:off x="638859" y="1820253"/>
-            <a:ext cx="1828800" cy="923330"/>
-          </a:xfrm>
-          <a:prstGeom prst="rect">
-            <a:avLst/>
-          </a:prstGeom>
-          <a:noFill/>
-          <a:ln>
-            <a:solidFill>
-              <a:schemeClr val="tx1"/>
-            </a:solidFill>
-          </a:ln>
-        </p:spPr>
-        <p:txBody>
-          <a:bodyPr wrap="square" rtlCol="0">
-            <a:spAutoFit/>
-          </a:bodyPr>
-          <a:lstStyle/>
-          <a:p>
-            <a:pPr algn="l"/>
-            <a:r>
-              <a:rPr lang="en-US" altLang="zh-TW" dirty="0"/>
-              <a:t>Convolution layer</a:t>
-            </a:r>
-          </a:p>
-          <a:p>
-            <a:pPr algn="l"/>
-            <a:r>
-              <a:rPr lang="en-US" altLang="zh-TW" dirty="0"/>
-              <a:t>3 input</a:t>
-            </a:r>
-          </a:p>
-          <a:p>
-            <a:pPr algn="l"/>
-            <a:r>
-              <a:rPr lang="en-US" altLang="zh-TW" dirty="0"/>
-              <a:t>32 output</a:t>
-            </a:r>
-            <a:endParaRPr lang="zh-TW" altLang="en-US" dirty="0"/>
-          </a:p>
-        </p:txBody>
-      </p:sp>
-      <p:sp>
-        <p:nvSpPr>
-          <p:cNvPr id="6" name="文字方塊 5">
-            <a:extLst>
-              <a:ext uri="{FF2B5EF4-FFF2-40B4-BE49-F238E27FC236}">
-                <a16:creationId xmlns:a16="http://schemas.microsoft.com/office/drawing/2014/main" id="{386AE986-3DFF-E50F-3D4B-F7D47B455E3D}"/>
-              </a:ext>
-            </a:extLst>
-          </p:cNvPr>
-          <p:cNvSpPr txBox="1"/>
-          <p:nvPr/>
-        </p:nvSpPr>
-        <p:spPr>
-          <a:xfrm>
-            <a:off x="3656478" y="1820253"/>
-            <a:ext cx="1828800" cy="923330"/>
-          </a:xfrm>
-          <a:prstGeom prst="rect">
-            <a:avLst/>
-          </a:prstGeom>
-          <a:noFill/>
-          <a:ln>
-            <a:solidFill>
-              <a:schemeClr val="tx1"/>
-            </a:solidFill>
-          </a:ln>
-        </p:spPr>
-        <p:txBody>
-          <a:bodyPr wrap="square" rtlCol="0">
-            <a:spAutoFit/>
-          </a:bodyPr>
-          <a:lstStyle/>
-          <a:p>
-            <a:pPr algn="l"/>
-            <a:r>
-              <a:rPr lang="en-US" altLang="zh-TW" dirty="0"/>
-              <a:t>Convolution layer</a:t>
-            </a:r>
-          </a:p>
-          <a:p>
-            <a:pPr algn="l"/>
-            <a:r>
-              <a:rPr lang="en-US" altLang="zh-TW" dirty="0"/>
-              <a:t>32 input</a:t>
-            </a:r>
-          </a:p>
-          <a:p>
-            <a:pPr algn="l"/>
-            <a:r>
-              <a:rPr lang="en-US" altLang="zh-TW" dirty="0"/>
-              <a:t>64 output</a:t>
-            </a:r>
-            <a:endParaRPr lang="zh-TW" altLang="en-US" dirty="0"/>
-          </a:p>
-        </p:txBody>
-      </p:sp>
-      <p:sp>
-        <p:nvSpPr>
-          <p:cNvPr id="8" name="文字方塊 7">
-            <a:extLst>
-              <a:ext uri="{FF2B5EF4-FFF2-40B4-BE49-F238E27FC236}">
-                <a16:creationId xmlns:a16="http://schemas.microsoft.com/office/drawing/2014/main" id="{18239EFB-F24D-08E0-2921-C27359E4D1B1}"/>
-              </a:ext>
-            </a:extLst>
-          </p:cNvPr>
-          <p:cNvSpPr txBox="1"/>
-          <p:nvPr/>
-        </p:nvSpPr>
-        <p:spPr>
-          <a:xfrm>
-            <a:off x="6538507" y="1848594"/>
-            <a:ext cx="1828800" cy="923330"/>
-          </a:xfrm>
-          <a:prstGeom prst="rect">
-            <a:avLst/>
-          </a:prstGeom>
-          <a:noFill/>
-          <a:ln>
-            <a:solidFill>
-              <a:schemeClr val="tx1"/>
-            </a:solidFill>
-          </a:ln>
-        </p:spPr>
-        <p:txBody>
-          <a:bodyPr wrap="square" rtlCol="0">
-            <a:spAutoFit/>
-          </a:bodyPr>
-          <a:lstStyle/>
-          <a:p>
-            <a:pPr algn="l"/>
-            <a:r>
-              <a:rPr lang="en-US" altLang="zh-TW" dirty="0"/>
-              <a:t>Convolution layer</a:t>
-            </a:r>
-          </a:p>
-          <a:p>
-            <a:pPr algn="l"/>
-            <a:r>
-              <a:rPr lang="en-US" altLang="zh-TW" dirty="0"/>
-              <a:t>64 input</a:t>
-            </a:r>
-          </a:p>
-          <a:p>
-            <a:pPr algn="l"/>
-            <a:r>
-              <a:rPr lang="en-US" altLang="zh-TW" dirty="0"/>
-              <a:t>128 output</a:t>
-            </a:r>
-            <a:endParaRPr lang="zh-TW" altLang="en-US" dirty="0"/>
-          </a:p>
-        </p:txBody>
-      </p:sp>
-      <p:sp>
-        <p:nvSpPr>
-          <p:cNvPr id="10" name="文字方塊 9">
-            <a:extLst>
-              <a:ext uri="{FF2B5EF4-FFF2-40B4-BE49-F238E27FC236}">
-                <a16:creationId xmlns:a16="http://schemas.microsoft.com/office/drawing/2014/main" id="{F5A0FEF0-8570-4E2B-6876-869BA7A204C8}"/>
-              </a:ext>
-            </a:extLst>
-          </p:cNvPr>
-          <p:cNvSpPr txBox="1"/>
-          <p:nvPr/>
-        </p:nvSpPr>
-        <p:spPr>
-          <a:xfrm>
-            <a:off x="9525000" y="1843843"/>
-            <a:ext cx="1828800" cy="923330"/>
-          </a:xfrm>
-          <a:prstGeom prst="rect">
-            <a:avLst/>
-          </a:prstGeom>
-          <a:noFill/>
-          <a:ln>
-            <a:solidFill>
-              <a:schemeClr val="tx1"/>
-            </a:solidFill>
-          </a:ln>
-        </p:spPr>
-        <p:txBody>
-          <a:bodyPr wrap="square" rtlCol="0">
-            <a:spAutoFit/>
-          </a:bodyPr>
-          <a:lstStyle/>
-          <a:p>
-            <a:pPr algn="l"/>
-            <a:r>
-              <a:rPr lang="en-US" altLang="zh-TW" dirty="0"/>
-              <a:t>Convolution layer</a:t>
-            </a:r>
-          </a:p>
-          <a:p>
-            <a:pPr algn="l"/>
-            <a:r>
-              <a:rPr lang="en-US" altLang="zh-TW" dirty="0"/>
-              <a:t>128 input</a:t>
-            </a:r>
-          </a:p>
-          <a:p>
-            <a:pPr algn="l"/>
-            <a:r>
-              <a:rPr lang="en-US" altLang="zh-TW" dirty="0"/>
-              <a:t>16 output</a:t>
-            </a:r>
-            <a:endParaRPr lang="zh-TW" altLang="en-US" dirty="0"/>
-          </a:p>
-        </p:txBody>
-      </p:sp>
-      <p:sp>
-        <p:nvSpPr>
-          <p:cNvPr id="12" name="文字方塊 11">
-            <a:extLst>
-              <a:ext uri="{FF2B5EF4-FFF2-40B4-BE49-F238E27FC236}">
-                <a16:creationId xmlns:a16="http://schemas.microsoft.com/office/drawing/2014/main" id="{8925B555-EF13-4F1B-F9E4-E52C2637BE9B}"/>
-              </a:ext>
-            </a:extLst>
-          </p:cNvPr>
-          <p:cNvSpPr txBox="1"/>
-          <p:nvPr/>
-        </p:nvSpPr>
-        <p:spPr>
-          <a:xfrm>
-            <a:off x="7164729" y="5185707"/>
-            <a:ext cx="1828800" cy="923330"/>
-          </a:xfrm>
-          <a:prstGeom prst="rect">
-            <a:avLst/>
-          </a:prstGeom>
-          <a:noFill/>
-          <a:ln>
-            <a:solidFill>
-              <a:schemeClr val="tx1"/>
-            </a:solidFill>
-          </a:ln>
-        </p:spPr>
-        <p:txBody>
-          <a:bodyPr wrap="square" rtlCol="0">
-            <a:spAutoFit/>
-          </a:bodyPr>
-          <a:lstStyle/>
-          <a:p>
-            <a:pPr algn="l"/>
-            <a:r>
-              <a:rPr lang="en-US" altLang="zh-TW" dirty="0"/>
-              <a:t>Linear</a:t>
-            </a:r>
-          </a:p>
-          <a:p>
-            <a:pPr algn="l"/>
-            <a:r>
-              <a:rPr lang="en-US" altLang="zh-TW" dirty="0"/>
-              <a:t>128 input</a:t>
-            </a:r>
-          </a:p>
-          <a:p>
-            <a:pPr algn="l"/>
-            <a:r>
-              <a:rPr lang="en-US" altLang="zh-TW" dirty="0"/>
-              <a:t>64 output</a:t>
-            </a:r>
-            <a:endParaRPr lang="zh-TW" altLang="en-US" dirty="0"/>
-          </a:p>
-        </p:txBody>
-      </p:sp>
-      <p:sp>
-        <p:nvSpPr>
-          <p:cNvPr id="14" name="文字方塊 13">
-            <a:extLst>
-              <a:ext uri="{FF2B5EF4-FFF2-40B4-BE49-F238E27FC236}">
-                <a16:creationId xmlns:a16="http://schemas.microsoft.com/office/drawing/2014/main" id="{3BA30AF2-F9E7-D44F-B154-6B8BC42E4D3F}"/>
-              </a:ext>
-            </a:extLst>
-          </p:cNvPr>
-          <p:cNvSpPr txBox="1"/>
-          <p:nvPr/>
-        </p:nvSpPr>
-        <p:spPr>
-          <a:xfrm>
-            <a:off x="3188120" y="5185707"/>
-            <a:ext cx="2902572" cy="923330"/>
-          </a:xfrm>
-          <a:prstGeom prst="rect">
-            <a:avLst/>
-          </a:prstGeom>
-          <a:noFill/>
-          <a:ln>
-            <a:solidFill>
-              <a:schemeClr val="tx1"/>
-            </a:solidFill>
-          </a:ln>
-        </p:spPr>
-        <p:txBody>
-          <a:bodyPr wrap="square" rtlCol="0">
-            <a:spAutoFit/>
-          </a:bodyPr>
-          <a:lstStyle/>
-          <a:p>
-            <a:pPr algn="l"/>
-            <a:r>
-              <a:rPr lang="en-US" altLang="zh-TW" dirty="0"/>
-              <a:t>Linear</a:t>
-            </a:r>
-          </a:p>
-          <a:p>
-            <a:pPr algn="l"/>
-            <a:r>
-              <a:rPr lang="zh-TW" altLang="en-US" dirty="0"/>
-              <a:t>特徵圖像素量</a:t>
-            </a:r>
-            <a:r>
-              <a:rPr lang="en-US" altLang="zh-TW" dirty="0"/>
-              <a:t>*16 input</a:t>
-            </a:r>
-          </a:p>
-          <a:p>
-            <a:pPr algn="l"/>
-            <a:r>
-              <a:rPr lang="en-US" altLang="zh-TW" dirty="0"/>
-              <a:t>128 output</a:t>
-            </a:r>
-            <a:endParaRPr lang="zh-TW" altLang="en-US" dirty="0"/>
-          </a:p>
-        </p:txBody>
-      </p:sp>
-      <p:sp>
-        <p:nvSpPr>
-          <p:cNvPr id="16" name="文字方塊 15">
-            <a:extLst>
-              <a:ext uri="{FF2B5EF4-FFF2-40B4-BE49-F238E27FC236}">
-                <a16:creationId xmlns:a16="http://schemas.microsoft.com/office/drawing/2014/main" id="{D1767610-B70D-DDB0-0072-D9BFC4B4C3DE}"/>
-              </a:ext>
-            </a:extLst>
-          </p:cNvPr>
-          <p:cNvSpPr txBox="1"/>
-          <p:nvPr/>
-        </p:nvSpPr>
-        <p:spPr>
-          <a:xfrm>
-            <a:off x="313734" y="5189019"/>
-            <a:ext cx="2640639" cy="923330"/>
-          </a:xfrm>
-          <a:prstGeom prst="rect">
-            <a:avLst/>
-          </a:prstGeom>
-          <a:noFill/>
-          <a:ln>
-            <a:solidFill>
-              <a:schemeClr val="tx1"/>
-            </a:solidFill>
-          </a:ln>
-        </p:spPr>
-        <p:txBody>
-          <a:bodyPr wrap="square" rtlCol="0">
-            <a:spAutoFit/>
-          </a:bodyPr>
-          <a:lstStyle/>
-          <a:p>
-            <a:pPr algn="l"/>
-            <a:r>
-              <a:rPr lang="en-US" altLang="zh-TW" dirty="0"/>
-              <a:t>Flatten</a:t>
-            </a:r>
-          </a:p>
-          <a:p>
-            <a:pPr algn="l"/>
-            <a:r>
-              <a:rPr lang="en-US" altLang="zh-TW" dirty="0"/>
-              <a:t>16 input</a:t>
-            </a:r>
-          </a:p>
-          <a:p>
-            <a:pPr algn="l"/>
-            <a:r>
-              <a:rPr lang="zh-TW" altLang="en-US" dirty="0"/>
-              <a:t>特徵圖像素量</a:t>
-            </a:r>
-            <a:r>
-              <a:rPr lang="en-US" altLang="zh-TW" dirty="0"/>
-              <a:t>*16 output</a:t>
-            </a:r>
-            <a:endParaRPr lang="zh-TW" altLang="en-US" dirty="0"/>
-          </a:p>
-        </p:txBody>
-      </p:sp>
-      <p:sp>
-        <p:nvSpPr>
-          <p:cNvPr id="20" name="文字方塊 19">
-            <a:extLst>
-              <a:ext uri="{FF2B5EF4-FFF2-40B4-BE49-F238E27FC236}">
-                <a16:creationId xmlns:a16="http://schemas.microsoft.com/office/drawing/2014/main" id="{BD8CC87C-2BFE-9E72-C711-7B2252009B0F}"/>
-              </a:ext>
-            </a:extLst>
-          </p:cNvPr>
-          <p:cNvSpPr txBox="1"/>
-          <p:nvPr/>
-        </p:nvSpPr>
-        <p:spPr>
-          <a:xfrm>
-            <a:off x="2692898" y="2060350"/>
-            <a:ext cx="671979" cy="369332"/>
-          </a:xfrm>
-          <a:prstGeom prst="rect">
-            <a:avLst/>
-          </a:prstGeom>
-          <a:noFill/>
-          <a:ln>
-            <a:solidFill>
-              <a:schemeClr val="tx1"/>
-            </a:solidFill>
-          </a:ln>
-        </p:spPr>
-        <p:txBody>
-          <a:bodyPr wrap="square" rtlCol="0">
-            <a:spAutoFit/>
-          </a:bodyPr>
-          <a:lstStyle/>
-          <a:p>
-            <a:pPr algn="l"/>
-            <a:r>
-              <a:rPr lang="en-US" altLang="zh-TW" dirty="0"/>
-              <a:t>ReLU</a:t>
-            </a:r>
-          </a:p>
-        </p:txBody>
-      </p:sp>
-      <p:sp>
-        <p:nvSpPr>
-          <p:cNvPr id="22" name="文字方塊 21">
-            <a:extLst>
-              <a:ext uri="{FF2B5EF4-FFF2-40B4-BE49-F238E27FC236}">
-                <a16:creationId xmlns:a16="http://schemas.microsoft.com/office/drawing/2014/main" id="{8CB1385F-3C09-2C91-115D-993A1C798DCB}"/>
-              </a:ext>
-            </a:extLst>
-          </p:cNvPr>
-          <p:cNvSpPr txBox="1"/>
-          <p:nvPr/>
-        </p:nvSpPr>
-        <p:spPr>
-          <a:xfrm>
-            <a:off x="5696573" y="2125593"/>
-            <a:ext cx="671979" cy="369332"/>
-          </a:xfrm>
-          <a:prstGeom prst="rect">
-            <a:avLst/>
-          </a:prstGeom>
-          <a:noFill/>
-          <a:ln>
-            <a:solidFill>
-              <a:schemeClr val="tx1"/>
-            </a:solidFill>
-          </a:ln>
-        </p:spPr>
-        <p:txBody>
-          <a:bodyPr wrap="square" rtlCol="0">
-            <a:spAutoFit/>
-          </a:bodyPr>
-          <a:lstStyle/>
-          <a:p>
-            <a:pPr algn="l"/>
-            <a:r>
-              <a:rPr lang="en-US" altLang="zh-TW" dirty="0"/>
-              <a:t>ReLU</a:t>
-            </a:r>
-          </a:p>
-        </p:txBody>
-      </p:sp>
-      <p:sp>
-        <p:nvSpPr>
-          <p:cNvPr id="24" name="文字方塊 23">
-            <a:extLst>
-              <a:ext uri="{FF2B5EF4-FFF2-40B4-BE49-F238E27FC236}">
-                <a16:creationId xmlns:a16="http://schemas.microsoft.com/office/drawing/2014/main" id="{232FB1BB-5695-4055-7B72-CD9775B76183}"/>
-              </a:ext>
-            </a:extLst>
-          </p:cNvPr>
-          <p:cNvSpPr txBox="1"/>
-          <p:nvPr/>
-        </p:nvSpPr>
-        <p:spPr>
-          <a:xfrm>
-            <a:off x="8597651" y="2125593"/>
-            <a:ext cx="671979" cy="369332"/>
-          </a:xfrm>
-          <a:prstGeom prst="rect">
-            <a:avLst/>
-          </a:prstGeom>
-          <a:noFill/>
-          <a:ln>
-            <a:solidFill>
-              <a:schemeClr val="tx1"/>
-            </a:solidFill>
-          </a:ln>
-        </p:spPr>
-        <p:txBody>
-          <a:bodyPr wrap="square" rtlCol="0">
-            <a:spAutoFit/>
-          </a:bodyPr>
-          <a:lstStyle/>
-          <a:p>
-            <a:pPr algn="l"/>
-            <a:r>
-              <a:rPr lang="en-US" altLang="zh-TW" dirty="0"/>
-              <a:t>ReLU</a:t>
-            </a:r>
-          </a:p>
-        </p:txBody>
-      </p:sp>
-      <p:sp>
-        <p:nvSpPr>
-          <p:cNvPr id="26" name="文字方塊 25">
-            <a:extLst>
-              <a:ext uri="{FF2B5EF4-FFF2-40B4-BE49-F238E27FC236}">
-                <a16:creationId xmlns:a16="http://schemas.microsoft.com/office/drawing/2014/main" id="{15EAD874-67E9-D08B-FAA1-B59DF9FCE0C9}"/>
-              </a:ext>
-            </a:extLst>
-          </p:cNvPr>
-          <p:cNvSpPr txBox="1"/>
-          <p:nvPr/>
-        </p:nvSpPr>
-        <p:spPr>
-          <a:xfrm>
-            <a:off x="5003009" y="3711489"/>
-            <a:ext cx="2175364" cy="523220"/>
+          <a:xfrm flipH="1">
+            <a:off x="368405" y="1690688"/>
+            <a:ext cx="1204507" cy="375557"/>
           </a:xfrm>
           <a:prstGeom prst="rect">
             <a:avLst/>
           </a:prstGeom>
           <a:solidFill>
-            <a:schemeClr val="accent1">
-              <a:lumMod val="40000"/>
-              <a:lumOff val="60000"/>
-            </a:schemeClr>
+            <a:srgbClr val="00B0F0"/>
           </a:solidFill>
-          <a:ln>
-            <a:solidFill>
-              <a:srgbClr val="0B0DFC"/>
-            </a:solidFill>
-          </a:ln>
         </p:spPr>
         <p:txBody>
           <a:bodyPr wrap="square" rtlCol="0">
@@ -5948,385 +4836,58 @@
           </a:bodyPr>
           <a:lstStyle/>
           <a:p>
-            <a:pPr algn="l"/>
-            <a:r>
-              <a:rPr lang="en-US" altLang="zh-TW" sz="2800" dirty="0"/>
-              <a:t>Dropout(0.95)</a:t>
-            </a:r>
-          </a:p>
-        </p:txBody>
-      </p:sp>
-      <p:sp>
-        <p:nvSpPr>
-          <p:cNvPr id="29" name="矩形 28">
-            <a:extLst>
-              <a:ext uri="{FF2B5EF4-FFF2-40B4-BE49-F238E27FC236}">
-                <a16:creationId xmlns:a16="http://schemas.microsoft.com/office/drawing/2014/main" id="{351BDCCA-0FD0-45FE-A815-0D01F79CDA98}"/>
-              </a:ext>
-            </a:extLst>
-          </p:cNvPr>
-          <p:cNvSpPr/>
+            <a:r>
+              <a:rPr lang="en-US" altLang="zh-TW" dirty="0"/>
+              <a:t>Conv(3,64)</a:t>
+            </a:r>
+            <a:endParaRPr lang="zh-TW" altLang="en-US" dirty="0"/>
+          </a:p>
+        </p:txBody>
+      </p:sp>
+      <p:sp>
+        <p:nvSpPr>
+          <p:cNvPr id="7" name="文字方塊 6">
+            <a:extLst>
+              <a:ext uri="{FF2B5EF4-FFF2-40B4-BE49-F238E27FC236}">
+                <a16:creationId xmlns:a16="http://schemas.microsoft.com/office/drawing/2014/main" id="{A336F345-E71D-47B9-19AE-C4CDE8607B14}"/>
+              </a:ext>
+            </a:extLst>
+          </p:cNvPr>
+          <p:cNvSpPr txBox="1"/>
           <p:nvPr/>
         </p:nvSpPr>
         <p:spPr>
-          <a:xfrm>
-            <a:off x="435784" y="1556372"/>
-            <a:ext cx="11117358" cy="1444314"/>
+          <a:xfrm flipH="1">
+            <a:off x="368401" y="2483744"/>
+            <a:ext cx="2216879" cy="375557"/>
           </a:xfrm>
           <a:prstGeom prst="rect">
             <a:avLst/>
           </a:prstGeom>
           <a:solidFill>
-            <a:srgbClr val="E71224">
-              <a:alpha val="5000"/>
-            </a:srgbClr>
+            <a:srgbClr val="00B0F0"/>
           </a:solidFill>
-          <a:ln w="30856">
-            <a:solidFill>
-              <a:srgbClr val="E71224"/>
-            </a:solidFill>
-          </a:ln>
         </p:spPr>
-        <p:style>
-          <a:lnRef idx="2">
-            <a:schemeClr val="accent1">
-              <a:shade val="15000"/>
-            </a:schemeClr>
-          </a:lnRef>
-          <a:fillRef idx="1">
-            <a:schemeClr val="accent1"/>
-          </a:fillRef>
-          <a:effectRef idx="0">
-            <a:schemeClr val="accent1"/>
-          </a:effectRef>
-          <a:fontRef idx="minor">
-            <a:schemeClr val="lt1"/>
-          </a:fontRef>
-        </p:style>
-        <p:txBody>
-          <a:bodyPr wrap="none" rtlCol="0" anchor="ctr" anchorCtr="1"/>
-          <a:lstStyle/>
-          <a:p>
-            <a:endParaRPr lang="en-US" dirty="0">
-              <a:solidFill>
-                <a:srgbClr val="E71224"/>
-              </a:solidFill>
-            </a:endParaRPr>
-          </a:p>
-        </p:txBody>
-      </p:sp>
-      <mc:AlternateContent xmlns:mc="http://schemas.openxmlformats.org/markup-compatibility/2006" xmlns:p14="http://schemas.microsoft.com/office/powerpoint/2010/main">
-        <mc:Choice Requires="p14">
-          <p:contentPart p14:bwMode="auto" r:id="rId2">
-            <p14:nvContentPartPr>
-              <p14:cNvPr id="35" name="筆跡 35">
-                <a:extLst>
-                  <a:ext uri="{FF2B5EF4-FFF2-40B4-BE49-F238E27FC236}">
-                    <a16:creationId xmlns:a16="http://schemas.microsoft.com/office/drawing/2014/main" id="{3E9DB8D0-B566-9712-AFB5-3D2638C41EFE}"/>
-                  </a:ext>
-                </a:extLst>
-              </p14:cNvPr>
-              <p14:cNvContentPartPr/>
-              <p14:nvPr/>
-            </p14:nvContentPartPr>
-            <p14:xfrm>
-              <a:off x="2488971" y="2207182"/>
-              <a:ext cx="180720" cy="124920"/>
-            </p14:xfrm>
-          </p:contentPart>
-        </mc:Choice>
-        <mc:Fallback xmlns="">
-          <p:pic>
-            <p:nvPicPr>
-              <p:cNvPr id="35" name="筆跡 35">
-                <a:extLst>
-                  <a:ext uri="{FF2B5EF4-FFF2-40B4-BE49-F238E27FC236}">
-                    <a16:creationId xmlns:a16="http://schemas.microsoft.com/office/drawing/2014/main" id="{3E9DB8D0-B566-9712-AFB5-3D2638C41EFE}"/>
-                  </a:ext>
-                </a:extLst>
-              </p:cNvPr>
-              <p:cNvPicPr/>
-              <p:nvPr/>
-            </p:nvPicPr>
-            <p:blipFill>
-              <a:blip r:embed="rId3"/>
-              <a:stretch>
-                <a:fillRect/>
-              </a:stretch>
-            </p:blipFill>
-            <p:spPr>
-              <a:xfrm>
-                <a:off x="2473460" y="2191702"/>
-                <a:ext cx="211381" cy="155520"/>
-              </a:xfrm>
-              <a:prstGeom prst="rect">
-                <a:avLst/>
-              </a:prstGeom>
-            </p:spPr>
-          </p:pic>
-        </mc:Fallback>
-      </mc:AlternateContent>
-      <mc:AlternateContent xmlns:mc="http://schemas.openxmlformats.org/markup-compatibility/2006" xmlns:p14="http://schemas.microsoft.com/office/powerpoint/2010/main">
-        <mc:Choice Requires="p14">
-          <p:contentPart p14:bwMode="auto" r:id="rId4">
-            <p14:nvContentPartPr>
-              <p14:cNvPr id="38" name="筆跡 38">
-                <a:extLst>
-                  <a:ext uri="{FF2B5EF4-FFF2-40B4-BE49-F238E27FC236}">
-                    <a16:creationId xmlns:a16="http://schemas.microsoft.com/office/drawing/2014/main" id="{0153439D-4E7F-5E5A-4008-FD804827F392}"/>
-                  </a:ext>
-                </a:extLst>
-              </p14:cNvPr>
-              <p14:cNvContentPartPr/>
-              <p14:nvPr/>
-            </p14:nvContentPartPr>
-            <p14:xfrm>
-              <a:off x="3385011" y="2214382"/>
-              <a:ext cx="242640" cy="136440"/>
-            </p14:xfrm>
-          </p:contentPart>
-        </mc:Choice>
-        <mc:Fallback xmlns="">
-          <p:pic>
-            <p:nvPicPr>
-              <p:cNvPr id="38" name="筆跡 38">
-                <a:extLst>
-                  <a:ext uri="{FF2B5EF4-FFF2-40B4-BE49-F238E27FC236}">
-                    <a16:creationId xmlns:a16="http://schemas.microsoft.com/office/drawing/2014/main" id="{0153439D-4E7F-5E5A-4008-FD804827F392}"/>
-                  </a:ext>
-                </a:extLst>
-              </p:cNvPr>
-              <p:cNvPicPr/>
-              <p:nvPr/>
-            </p:nvPicPr>
-            <p:blipFill>
-              <a:blip r:embed="rId5"/>
-              <a:stretch>
-                <a:fillRect/>
-              </a:stretch>
-            </p:blipFill>
-            <p:spPr>
-              <a:xfrm>
-                <a:off x="3369554" y="2198943"/>
-                <a:ext cx="273195" cy="166959"/>
-              </a:xfrm>
-              <a:prstGeom prst="rect">
-                <a:avLst/>
-              </a:prstGeom>
-            </p:spPr>
-          </p:pic>
-        </mc:Fallback>
-      </mc:AlternateContent>
-      <mc:AlternateContent xmlns:mc="http://schemas.openxmlformats.org/markup-compatibility/2006" xmlns:p14="http://schemas.microsoft.com/office/powerpoint/2010/main">
-        <mc:Choice Requires="p14">
-          <p:contentPart p14:bwMode="auto" r:id="rId6">
-            <p14:nvContentPartPr>
-              <p14:cNvPr id="41" name="筆跡 41">
-                <a:extLst>
-                  <a:ext uri="{FF2B5EF4-FFF2-40B4-BE49-F238E27FC236}">
-                    <a16:creationId xmlns:a16="http://schemas.microsoft.com/office/drawing/2014/main" id="{BDCB4B14-DE59-9D63-5EB3-3CDD46DC2EDD}"/>
-                  </a:ext>
-                </a:extLst>
-              </p14:cNvPr>
-              <p14:cNvContentPartPr/>
-              <p14:nvPr/>
-            </p14:nvContentPartPr>
-            <p14:xfrm>
-              <a:off x="5504811" y="2258251"/>
-              <a:ext cx="157320" cy="118080"/>
-            </p14:xfrm>
-          </p:contentPart>
-        </mc:Choice>
-        <mc:Fallback xmlns="">
-          <p:pic>
-            <p:nvPicPr>
-              <p:cNvPr id="41" name="筆跡 41">
-                <a:extLst>
-                  <a:ext uri="{FF2B5EF4-FFF2-40B4-BE49-F238E27FC236}">
-                    <a16:creationId xmlns:a16="http://schemas.microsoft.com/office/drawing/2014/main" id="{BDCB4B14-DE59-9D63-5EB3-3CDD46DC2EDD}"/>
-                  </a:ext>
-                </a:extLst>
-              </p:cNvPr>
-              <p:cNvPicPr/>
-              <p:nvPr/>
-            </p:nvPicPr>
-            <p:blipFill>
-              <a:blip r:embed="rId7"/>
-              <a:stretch>
-                <a:fillRect/>
-              </a:stretch>
-            </p:blipFill>
-            <p:spPr>
-              <a:xfrm>
-                <a:off x="5489331" y="2242771"/>
-                <a:ext cx="187920" cy="148680"/>
-              </a:xfrm>
-              <a:prstGeom prst="rect">
-                <a:avLst/>
-              </a:prstGeom>
-            </p:spPr>
-          </p:pic>
-        </mc:Fallback>
-      </mc:AlternateContent>
-      <mc:AlternateContent xmlns:mc="http://schemas.openxmlformats.org/markup-compatibility/2006" xmlns:p14="http://schemas.microsoft.com/office/powerpoint/2010/main">
-        <mc:Choice Requires="p14">
-          <p:contentPart p14:bwMode="auto" r:id="rId8">
-            <p14:nvContentPartPr>
-              <p14:cNvPr id="44" name="筆跡 44">
-                <a:extLst>
-                  <a:ext uri="{FF2B5EF4-FFF2-40B4-BE49-F238E27FC236}">
-                    <a16:creationId xmlns:a16="http://schemas.microsoft.com/office/drawing/2014/main" id="{303DF387-461B-A5B5-F1EC-D07A14FA1DD7}"/>
-                  </a:ext>
-                </a:extLst>
-              </p14:cNvPr>
-              <p14:cNvContentPartPr/>
-              <p14:nvPr/>
-            </p14:nvContentPartPr>
-            <p14:xfrm>
-              <a:off x="6386811" y="2278771"/>
-              <a:ext cx="118080" cy="106560"/>
-            </p14:xfrm>
-          </p:contentPart>
-        </mc:Choice>
-        <mc:Fallback xmlns="">
-          <p:pic>
-            <p:nvPicPr>
-              <p:cNvPr id="44" name="筆跡 44">
-                <a:extLst>
-                  <a:ext uri="{FF2B5EF4-FFF2-40B4-BE49-F238E27FC236}">
-                    <a16:creationId xmlns:a16="http://schemas.microsoft.com/office/drawing/2014/main" id="{303DF387-461B-A5B5-F1EC-D07A14FA1DD7}"/>
-                  </a:ext>
-                </a:extLst>
-              </p:cNvPr>
-              <p:cNvPicPr/>
-              <p:nvPr/>
-            </p:nvPicPr>
-            <p:blipFill>
-              <a:blip r:embed="rId9"/>
-              <a:stretch>
-                <a:fillRect/>
-              </a:stretch>
-            </p:blipFill>
-            <p:spPr>
-              <a:xfrm>
-                <a:off x="6371331" y="2263291"/>
-                <a:ext cx="148680" cy="137160"/>
-              </a:xfrm>
-              <a:prstGeom prst="rect">
-                <a:avLst/>
-              </a:prstGeom>
-            </p:spPr>
-          </p:pic>
-        </mc:Fallback>
-      </mc:AlternateContent>
-      <mc:AlternateContent xmlns:mc="http://schemas.openxmlformats.org/markup-compatibility/2006" xmlns:p14="http://schemas.microsoft.com/office/powerpoint/2010/main">
-        <mc:Choice Requires="p14">
-          <p:contentPart p14:bwMode="auto" r:id="rId10">
-            <p14:nvContentPartPr>
-              <p14:cNvPr id="47" name="筆跡 47">
-                <a:extLst>
-                  <a:ext uri="{FF2B5EF4-FFF2-40B4-BE49-F238E27FC236}">
-                    <a16:creationId xmlns:a16="http://schemas.microsoft.com/office/drawing/2014/main" id="{590BA870-8155-0B58-A9E1-A07621089DDF}"/>
-                  </a:ext>
-                </a:extLst>
-              </p14:cNvPr>
-              <p14:cNvContentPartPr/>
-              <p14:nvPr/>
-            </p14:nvContentPartPr>
-            <p14:xfrm>
-              <a:off x="8379353" y="2267353"/>
-              <a:ext cx="189720" cy="120600"/>
-            </p14:xfrm>
-          </p:contentPart>
-        </mc:Choice>
-        <mc:Fallback xmlns="">
-          <p:pic>
-            <p:nvPicPr>
-              <p:cNvPr id="47" name="筆跡 47">
-                <a:extLst>
-                  <a:ext uri="{FF2B5EF4-FFF2-40B4-BE49-F238E27FC236}">
-                    <a16:creationId xmlns:a16="http://schemas.microsoft.com/office/drawing/2014/main" id="{590BA870-8155-0B58-A9E1-A07621089DDF}"/>
-                  </a:ext>
-                </a:extLst>
-              </p:cNvPr>
-              <p:cNvPicPr/>
-              <p:nvPr/>
-            </p:nvPicPr>
-            <p:blipFill>
-              <a:blip r:embed="rId11"/>
-              <a:stretch>
-                <a:fillRect/>
-              </a:stretch>
-            </p:blipFill>
-            <p:spPr>
-              <a:xfrm>
-                <a:off x="8363873" y="2251873"/>
-                <a:ext cx="220320" cy="151200"/>
-              </a:xfrm>
-              <a:prstGeom prst="rect">
-                <a:avLst/>
-              </a:prstGeom>
-            </p:spPr>
-          </p:pic>
-        </mc:Fallback>
-      </mc:AlternateContent>
-      <mc:AlternateContent xmlns:mc="http://schemas.openxmlformats.org/markup-compatibility/2006" xmlns:p14="http://schemas.microsoft.com/office/powerpoint/2010/main">
-        <mc:Choice Requires="p14">
-          <p:contentPart p14:bwMode="auto" r:id="rId12">
-            <p14:nvContentPartPr>
-              <p14:cNvPr id="59" name="筆跡 59">
-                <a:extLst>
-                  <a:ext uri="{FF2B5EF4-FFF2-40B4-BE49-F238E27FC236}">
-                    <a16:creationId xmlns:a16="http://schemas.microsoft.com/office/drawing/2014/main" id="{8608D77E-BF48-CA7C-14C2-152F18275B7C}"/>
-                  </a:ext>
-                </a:extLst>
-              </p14:cNvPr>
-              <p14:cNvContentPartPr/>
-              <p14:nvPr/>
-            </p14:nvContentPartPr>
-            <p14:xfrm>
-              <a:off x="9291455" y="2248993"/>
-              <a:ext cx="196560" cy="132120"/>
-            </p14:xfrm>
-          </p:contentPart>
-        </mc:Choice>
-        <mc:Fallback xmlns="">
-          <p:pic>
-            <p:nvPicPr>
-              <p:cNvPr id="59" name="筆跡 59">
-                <a:extLst>
-                  <a:ext uri="{FF2B5EF4-FFF2-40B4-BE49-F238E27FC236}">
-                    <a16:creationId xmlns:a16="http://schemas.microsoft.com/office/drawing/2014/main" id="{8608D77E-BF48-CA7C-14C2-152F18275B7C}"/>
-                  </a:ext>
-                </a:extLst>
-              </p:cNvPr>
-              <p:cNvPicPr/>
-              <p:nvPr/>
-            </p:nvPicPr>
-            <p:blipFill>
-              <a:blip r:embed="rId13"/>
-              <a:stretch>
-                <a:fillRect/>
-              </a:stretch>
-            </p:blipFill>
-            <p:spPr>
-              <a:xfrm>
-                <a:off x="9276335" y="2233513"/>
-                <a:ext cx="227160" cy="162360"/>
-              </a:xfrm>
-              <a:prstGeom prst="rect">
-                <a:avLst/>
-              </a:prstGeom>
-            </p:spPr>
-          </p:pic>
-        </mc:Fallback>
-      </mc:AlternateContent>
-      <p:sp>
-        <p:nvSpPr>
-          <p:cNvPr id="61" name="文字方塊 60">
-            <a:extLst>
-              <a:ext uri="{FF2B5EF4-FFF2-40B4-BE49-F238E27FC236}">
-                <a16:creationId xmlns:a16="http://schemas.microsoft.com/office/drawing/2014/main" id="{E8D4C94F-17C3-03FA-DB99-43A38D2350EE}"/>
+        <p:txBody>
+          <a:bodyPr wrap="square" rtlCol="0">
+            <a:spAutoFit/>
+          </a:bodyPr>
+          <a:lstStyle/>
+          <a:p>
+            <a:r>
+              <a:rPr lang="en-US" altLang="zh-TW" dirty="0"/>
+              <a:t>Conv(64,128)</a:t>
+            </a:r>
+            <a:endParaRPr lang="zh-TW" altLang="en-US" dirty="0"/>
+          </a:p>
+        </p:txBody>
+      </p:sp>
+      <p:sp>
+        <p:nvSpPr>
+          <p:cNvPr id="8" name="文字方塊 7">
+            <a:extLst>
+              <a:ext uri="{FF2B5EF4-FFF2-40B4-BE49-F238E27FC236}">
+                <a16:creationId xmlns:a16="http://schemas.microsoft.com/office/drawing/2014/main" id="{C9426580-6F41-0C6B-692D-F141543F1758}"/>
               </a:ext>
             </a:extLst>
           </p:cNvPr>
@@ -6334,19 +4895,16 @@
           <p:nvPr/>
         </p:nvSpPr>
         <p:spPr>
-          <a:xfrm>
-            <a:off x="6268609" y="5506050"/>
-            <a:ext cx="671979" cy="369332"/>
+          <a:xfrm flipH="1">
+            <a:off x="368401" y="3309796"/>
+            <a:ext cx="3261913" cy="375557"/>
           </a:xfrm>
           <a:prstGeom prst="rect">
             <a:avLst/>
           </a:prstGeom>
-          <a:noFill/>
-          <a:ln>
-            <a:solidFill>
-              <a:schemeClr val="tx1"/>
-            </a:solidFill>
-          </a:ln>
+          <a:solidFill>
+            <a:srgbClr val="00B0F0"/>
+          </a:solidFill>
         </p:spPr>
         <p:txBody>
           <a:bodyPr wrap="square" rtlCol="0">
@@ -6354,20 +4912,20 @@
           </a:bodyPr>
           <a:lstStyle/>
           <a:p>
-            <a:pPr algn="l"/>
             <a:r>
               <a:rPr lang="en-US" altLang="zh-TW" dirty="0"/>
-              <a:t>ReLU</a:t>
-            </a:r>
-          </a:p>
-        </p:txBody>
-      </p:sp>
-      <p:sp>
-        <p:nvSpPr>
-          <p:cNvPr id="63" name="文字方塊 62">
-            <a:extLst>
-              <a:ext uri="{FF2B5EF4-FFF2-40B4-BE49-F238E27FC236}">
-                <a16:creationId xmlns:a16="http://schemas.microsoft.com/office/drawing/2014/main" id="{2051A339-14E7-A04D-29DB-B444BA4F5D97}"/>
+              <a:t>Conv(128,256)</a:t>
+            </a:r>
+            <a:endParaRPr lang="zh-TW" altLang="en-US" dirty="0"/>
+          </a:p>
+        </p:txBody>
+      </p:sp>
+      <p:sp>
+        <p:nvSpPr>
+          <p:cNvPr id="9" name="文字方塊 8">
+            <a:extLst>
+              <a:ext uri="{FF2B5EF4-FFF2-40B4-BE49-F238E27FC236}">
+                <a16:creationId xmlns:a16="http://schemas.microsoft.com/office/drawing/2014/main" id="{8E055414-EB18-B89B-C392-5D8388C369F1}"/>
               </a:ext>
             </a:extLst>
           </p:cNvPr>
@@ -6375,19 +4933,16 @@
           <p:nvPr/>
         </p:nvSpPr>
         <p:spPr>
-          <a:xfrm>
-            <a:off x="9216050" y="5506051"/>
-            <a:ext cx="671979" cy="369332"/>
+          <a:xfrm flipH="1">
+            <a:off x="368401" y="4107470"/>
+            <a:ext cx="4813130" cy="375557"/>
           </a:xfrm>
           <a:prstGeom prst="rect">
             <a:avLst/>
           </a:prstGeom>
-          <a:noFill/>
-          <a:ln>
-            <a:solidFill>
-              <a:schemeClr val="tx1"/>
-            </a:solidFill>
-          </a:ln>
+          <a:solidFill>
+            <a:srgbClr val="00B0F0"/>
+          </a:solidFill>
         </p:spPr>
         <p:txBody>
           <a:bodyPr wrap="square" rtlCol="0">
@@ -6395,20 +4950,20 @@
           </a:bodyPr>
           <a:lstStyle/>
           <a:p>
-            <a:pPr algn="l"/>
             <a:r>
               <a:rPr lang="en-US" altLang="zh-TW" dirty="0"/>
-              <a:t>ReLU</a:t>
-            </a:r>
-          </a:p>
-        </p:txBody>
-      </p:sp>
-      <p:sp>
-        <p:nvSpPr>
-          <p:cNvPr id="65" name="文字方塊 64">
-            <a:extLst>
-              <a:ext uri="{FF2B5EF4-FFF2-40B4-BE49-F238E27FC236}">
-                <a16:creationId xmlns:a16="http://schemas.microsoft.com/office/drawing/2014/main" id="{CF70F601-2476-4967-EE0F-7FF89FEDC058}"/>
+              <a:t>Conv(256,512)</a:t>
+            </a:r>
+            <a:endParaRPr lang="zh-TW" altLang="en-US" dirty="0"/>
+          </a:p>
+        </p:txBody>
+      </p:sp>
+      <p:sp>
+        <p:nvSpPr>
+          <p:cNvPr id="10" name="文字方塊 9">
+            <a:extLst>
+              <a:ext uri="{FF2B5EF4-FFF2-40B4-BE49-F238E27FC236}">
+                <a16:creationId xmlns:a16="http://schemas.microsoft.com/office/drawing/2014/main" id="{9B71876D-C901-354B-FC14-43C771CEEA73}"/>
               </a:ext>
             </a:extLst>
           </p:cNvPr>
@@ -6416,19 +4971,16 @@
           <p:nvPr/>
         </p:nvSpPr>
         <p:spPr>
-          <a:xfrm>
-            <a:off x="10067566" y="5185707"/>
-            <a:ext cx="1828800" cy="923330"/>
+          <a:xfrm flipH="1">
+            <a:off x="382582" y="4906676"/>
+            <a:ext cx="5553358" cy="375557"/>
           </a:xfrm>
           <a:prstGeom prst="rect">
             <a:avLst/>
           </a:prstGeom>
-          <a:noFill/>
-          <a:ln>
-            <a:solidFill>
-              <a:schemeClr val="tx1"/>
-            </a:solidFill>
-          </a:ln>
+          <a:solidFill>
+            <a:srgbClr val="00B0F0"/>
+          </a:solidFill>
         </p:spPr>
         <p:txBody>
           <a:bodyPr wrap="square" rtlCol="0">
@@ -6436,24 +4988,9 @@
           </a:bodyPr>
           <a:lstStyle/>
           <a:p>
-            <a:pPr algn="l"/>
             <a:r>
               <a:rPr lang="en-US" altLang="zh-TW" dirty="0"/>
-              <a:t>Linear</a:t>
-            </a:r>
-          </a:p>
-          <a:p>
-            <a:pPr algn="l"/>
-            <a:r>
-              <a:rPr lang="en-US" altLang="zh-TW" dirty="0"/>
-              <a:t>64 input</a:t>
-            </a:r>
-          </a:p>
-          <a:p>
-            <a:pPr algn="l"/>
-            <a:r>
-              <a:rPr lang="en-US" altLang="zh-TW" dirty="0"/>
-              <a:t>6 output</a:t>
+              <a:t>Conv(512,1024)</a:t>
             </a:r>
             <a:endParaRPr lang="zh-TW" altLang="en-US" dirty="0"/>
           </a:p>
@@ -6461,480 +4998,762 @@
       </p:sp>
       <p:sp>
         <p:nvSpPr>
-          <p:cNvPr id="28" name="矩形 27">
-            <a:extLst>
-              <a:ext uri="{FF2B5EF4-FFF2-40B4-BE49-F238E27FC236}">
-                <a16:creationId xmlns:a16="http://schemas.microsoft.com/office/drawing/2014/main" id="{F4BFFA2A-B2F7-436C-927D-6FCA323B5876}"/>
-              </a:ext>
-            </a:extLst>
-          </p:cNvPr>
-          <p:cNvSpPr/>
+          <p:cNvPr id="12" name="文字方塊 11">
+            <a:extLst>
+              <a:ext uri="{FF2B5EF4-FFF2-40B4-BE49-F238E27FC236}">
+                <a16:creationId xmlns:a16="http://schemas.microsoft.com/office/drawing/2014/main" id="{4FCD66DB-F00C-2204-26BE-FDAE6192C6B7}"/>
+              </a:ext>
+            </a:extLst>
+          </p:cNvPr>
+          <p:cNvSpPr txBox="1"/>
           <p:nvPr/>
         </p:nvSpPr>
         <p:spPr>
-          <a:xfrm>
-            <a:off x="133145" y="4968559"/>
-            <a:ext cx="11915093" cy="1444314"/>
+          <a:xfrm flipH="1">
+            <a:off x="368401" y="5743928"/>
+            <a:ext cx="11099630" cy="375557"/>
           </a:xfrm>
           <a:prstGeom prst="rect">
             <a:avLst/>
           </a:prstGeom>
-          <a:gradFill>
-            <a:gsLst>
-              <a:gs pos="1000">
-                <a:srgbClr val="489CD1">
-                  <a:alpha val="5000"/>
-                </a:srgbClr>
-              </a:gs>
-              <a:gs pos="25000">
-                <a:srgbClr val="A9D7B2">
-                  <a:alpha val="5000"/>
-                </a:srgbClr>
-              </a:gs>
-              <a:gs pos="50000">
-                <a:srgbClr val="B92B65">
-                  <a:alpha val="5000"/>
-                </a:srgbClr>
-              </a:gs>
-              <a:gs pos="76000">
-                <a:srgbClr val="9B2486">
-                  <a:alpha val="5000"/>
-                </a:srgbClr>
-              </a:gs>
-              <a:gs pos="100000">
-                <a:srgbClr val="244F85">
-                  <a:alpha val="5000"/>
-                </a:srgbClr>
-              </a:gs>
-            </a:gsLst>
-          </a:gradFill>
-          <a:ln w="61715">
-            <a:gradFill>
-              <a:gsLst>
-                <a:gs pos="1000">
-                  <a:srgbClr val="489CD1"/>
-                </a:gs>
-                <a:gs pos="25000">
-                  <a:srgbClr val="A9D7B2"/>
-                </a:gs>
-                <a:gs pos="50000">
-                  <a:srgbClr val="B92B65"/>
-                </a:gs>
-                <a:gs pos="76000">
-                  <a:srgbClr val="9B2486"/>
-                </a:gs>
-                <a:gs pos="100000">
-                  <a:srgbClr val="244F85"/>
-                </a:gs>
-              </a:gsLst>
-            </a:gradFill>
-          </a:ln>
+          <a:solidFill>
+            <a:srgbClr val="FFC000"/>
+          </a:solidFill>
         </p:spPr>
-        <p:style>
-          <a:lnRef idx="2">
-            <a:schemeClr val="accent1">
-              <a:shade val="15000"/>
+        <p:txBody>
+          <a:bodyPr wrap="square" rtlCol="0">
+            <a:spAutoFit/>
+          </a:bodyPr>
+          <a:lstStyle/>
+          <a:p>
+            <a:r>
+              <a:rPr lang="en-US" altLang="zh-TW" dirty="0"/>
+              <a:t>Linear(224*224/32*1024,512)</a:t>
+            </a:r>
+            <a:endParaRPr lang="zh-TW" altLang="en-US" dirty="0"/>
+          </a:p>
+        </p:txBody>
+      </p:sp>
+      <p:sp>
+        <p:nvSpPr>
+          <p:cNvPr id="13" name="文字方塊 12">
+            <a:extLst>
+              <a:ext uri="{FF2B5EF4-FFF2-40B4-BE49-F238E27FC236}">
+                <a16:creationId xmlns:a16="http://schemas.microsoft.com/office/drawing/2014/main" id="{705904CD-FBBA-A2F7-EDB9-D1E1C79C55FE}"/>
+              </a:ext>
+            </a:extLst>
+          </p:cNvPr>
+          <p:cNvSpPr txBox="1"/>
+          <p:nvPr/>
+        </p:nvSpPr>
+        <p:spPr>
+          <a:xfrm flipH="1">
+            <a:off x="7534428" y="5119109"/>
+            <a:ext cx="3933603" cy="369332"/>
+          </a:xfrm>
+          <a:prstGeom prst="rect">
+            <a:avLst/>
+          </a:prstGeom>
+          <a:solidFill>
+            <a:srgbClr val="FFC000"/>
+          </a:solidFill>
+        </p:spPr>
+        <p:txBody>
+          <a:bodyPr wrap="square" rtlCol="0">
+            <a:spAutoFit/>
+          </a:bodyPr>
+          <a:lstStyle/>
+          <a:p>
+            <a:r>
+              <a:rPr lang="en-US" altLang="zh-TW" dirty="0"/>
+              <a:t>Linear(512,6)</a:t>
+            </a:r>
+            <a:endParaRPr lang="zh-TW" altLang="en-US" dirty="0"/>
+          </a:p>
+        </p:txBody>
+      </p:sp>
+      <p:sp>
+        <p:nvSpPr>
+          <p:cNvPr id="14" name="文字方塊 13">
+            <a:extLst>
+              <a:ext uri="{FF2B5EF4-FFF2-40B4-BE49-F238E27FC236}">
+                <a16:creationId xmlns:a16="http://schemas.microsoft.com/office/drawing/2014/main" id="{DE0704A5-5A01-AAE2-9105-83D34FEC3691}"/>
+              </a:ext>
+            </a:extLst>
+          </p:cNvPr>
+          <p:cNvSpPr txBox="1"/>
+          <p:nvPr/>
+        </p:nvSpPr>
+        <p:spPr>
+          <a:xfrm flipH="1">
+            <a:off x="7546605" y="4512669"/>
+            <a:ext cx="3933603" cy="369332"/>
+          </a:xfrm>
+          <a:prstGeom prst="rect">
+            <a:avLst/>
+          </a:prstGeom>
+          <a:solidFill>
+            <a:srgbClr val="FF3300"/>
+          </a:solidFill>
+        </p:spPr>
+        <p:txBody>
+          <a:bodyPr wrap="square" rtlCol="0">
+            <a:spAutoFit/>
+          </a:bodyPr>
+          <a:lstStyle/>
+          <a:p>
+            <a:r>
+              <a:rPr lang="en-US" altLang="zh-TW" dirty="0" err="1"/>
+              <a:t>softmax</a:t>
+            </a:r>
+            <a:endParaRPr lang="zh-TW" altLang="en-US" dirty="0"/>
+          </a:p>
+        </p:txBody>
+      </p:sp>
+      <p:sp>
+        <p:nvSpPr>
+          <p:cNvPr id="15" name="文字方塊 14">
+            <a:extLst>
+              <a:ext uri="{FF2B5EF4-FFF2-40B4-BE49-F238E27FC236}">
+                <a16:creationId xmlns:a16="http://schemas.microsoft.com/office/drawing/2014/main" id="{481A9115-63E1-A5B2-3C88-BFDD71AB61B5}"/>
+              </a:ext>
+            </a:extLst>
+          </p:cNvPr>
+          <p:cNvSpPr txBox="1"/>
+          <p:nvPr/>
+        </p:nvSpPr>
+        <p:spPr>
+          <a:xfrm flipH="1">
+            <a:off x="368401" y="2136495"/>
+            <a:ext cx="1204506" cy="276999"/>
+          </a:xfrm>
+          <a:prstGeom prst="rect">
+            <a:avLst/>
+          </a:prstGeom>
+          <a:solidFill>
+            <a:srgbClr val="92D050"/>
+          </a:solidFill>
+        </p:spPr>
+        <p:txBody>
+          <a:bodyPr wrap="square" rtlCol="0">
+            <a:spAutoFit/>
+          </a:bodyPr>
+          <a:lstStyle/>
+          <a:p>
+            <a:r>
+              <a:rPr lang="en-US" altLang="zh-TW" sz="1200" dirty="0" err="1"/>
+              <a:t>Maxpool</a:t>
+            </a:r>
+            <a:r>
+              <a:rPr lang="en-US" altLang="zh-TW" sz="1200" dirty="0"/>
+              <a:t>(2*2)</a:t>
+            </a:r>
+            <a:endParaRPr lang="zh-TW" altLang="en-US" sz="1200" dirty="0"/>
+          </a:p>
+        </p:txBody>
+      </p:sp>
+      <p:sp>
+        <p:nvSpPr>
+          <p:cNvPr id="16" name="文字方塊 15">
+            <a:extLst>
+              <a:ext uri="{FF2B5EF4-FFF2-40B4-BE49-F238E27FC236}">
+                <a16:creationId xmlns:a16="http://schemas.microsoft.com/office/drawing/2014/main" id="{119568BA-5E67-915E-EC55-5A5E66B143B4}"/>
+              </a:ext>
+            </a:extLst>
+          </p:cNvPr>
+          <p:cNvSpPr txBox="1"/>
+          <p:nvPr/>
+        </p:nvSpPr>
+        <p:spPr>
+          <a:xfrm flipH="1">
+            <a:off x="1572907" y="1746257"/>
+            <a:ext cx="524104" cy="276999"/>
+          </a:xfrm>
+          <a:prstGeom prst="rect">
+            <a:avLst/>
+          </a:prstGeom>
+          <a:solidFill>
+            <a:srgbClr val="E739B9"/>
+          </a:solidFill>
+        </p:spPr>
+        <p:txBody>
+          <a:bodyPr wrap="square" rtlCol="0">
+            <a:spAutoFit/>
+          </a:bodyPr>
+          <a:lstStyle/>
+          <a:p>
+            <a:r>
+              <a:rPr lang="en-US" altLang="zh-TW" sz="1200" dirty="0" err="1"/>
+              <a:t>ReLU</a:t>
+            </a:r>
+            <a:endParaRPr lang="zh-TW" altLang="en-US" sz="1200" dirty="0"/>
+          </a:p>
+        </p:txBody>
+      </p:sp>
+      <p:sp>
+        <p:nvSpPr>
+          <p:cNvPr id="17" name="文字方塊 16">
+            <a:extLst>
+              <a:ext uri="{FF2B5EF4-FFF2-40B4-BE49-F238E27FC236}">
+                <a16:creationId xmlns:a16="http://schemas.microsoft.com/office/drawing/2014/main" id="{4CC78E92-A7A4-9A86-F8EE-93A5EDB86980}"/>
+              </a:ext>
+            </a:extLst>
+          </p:cNvPr>
+          <p:cNvSpPr txBox="1"/>
+          <p:nvPr/>
+        </p:nvSpPr>
+        <p:spPr>
+          <a:xfrm flipH="1">
+            <a:off x="368401" y="2946046"/>
+            <a:ext cx="1204506" cy="276999"/>
+          </a:xfrm>
+          <a:prstGeom prst="rect">
+            <a:avLst/>
+          </a:prstGeom>
+          <a:solidFill>
+            <a:srgbClr val="92D050"/>
+          </a:solidFill>
+        </p:spPr>
+        <p:txBody>
+          <a:bodyPr wrap="square" rtlCol="0">
+            <a:spAutoFit/>
+          </a:bodyPr>
+          <a:lstStyle/>
+          <a:p>
+            <a:r>
+              <a:rPr lang="en-US" altLang="zh-TW" sz="1200" dirty="0" err="1"/>
+              <a:t>Maxpool</a:t>
+            </a:r>
+            <a:r>
+              <a:rPr lang="en-US" altLang="zh-TW" sz="1200" dirty="0"/>
+              <a:t>(2*2)</a:t>
+            </a:r>
+            <a:endParaRPr lang="zh-TW" altLang="en-US" sz="1200" dirty="0"/>
+          </a:p>
+        </p:txBody>
+      </p:sp>
+      <p:sp>
+        <p:nvSpPr>
+          <p:cNvPr id="19" name="文字方塊 18">
+            <a:extLst>
+              <a:ext uri="{FF2B5EF4-FFF2-40B4-BE49-F238E27FC236}">
+                <a16:creationId xmlns:a16="http://schemas.microsoft.com/office/drawing/2014/main" id="{B4C2FDBB-38F7-2A8C-7051-30E272C734C2}"/>
+              </a:ext>
+            </a:extLst>
+          </p:cNvPr>
+          <p:cNvSpPr txBox="1"/>
+          <p:nvPr/>
+        </p:nvSpPr>
+        <p:spPr>
+          <a:xfrm flipH="1">
+            <a:off x="368401" y="3757912"/>
+            <a:ext cx="1204506" cy="276999"/>
+          </a:xfrm>
+          <a:prstGeom prst="rect">
+            <a:avLst/>
+          </a:prstGeom>
+          <a:solidFill>
+            <a:srgbClr val="92D050"/>
+          </a:solidFill>
+        </p:spPr>
+        <p:txBody>
+          <a:bodyPr wrap="square" rtlCol="0">
+            <a:spAutoFit/>
+          </a:bodyPr>
+          <a:lstStyle/>
+          <a:p>
+            <a:r>
+              <a:rPr lang="en-US" altLang="zh-TW" sz="1200" dirty="0" err="1"/>
+              <a:t>Maxpool</a:t>
+            </a:r>
+            <a:r>
+              <a:rPr lang="en-US" altLang="zh-TW" sz="1200" dirty="0"/>
+              <a:t>(2*2)</a:t>
+            </a:r>
+            <a:endParaRPr lang="zh-TW" altLang="en-US" sz="1200" dirty="0"/>
+          </a:p>
+        </p:txBody>
+      </p:sp>
+      <p:sp>
+        <p:nvSpPr>
+          <p:cNvPr id="21" name="文字方塊 20">
+            <a:extLst>
+              <a:ext uri="{FF2B5EF4-FFF2-40B4-BE49-F238E27FC236}">
+                <a16:creationId xmlns:a16="http://schemas.microsoft.com/office/drawing/2014/main" id="{5D4C671D-249D-5AE9-4E0B-994601843DA7}"/>
+              </a:ext>
+            </a:extLst>
+          </p:cNvPr>
+          <p:cNvSpPr txBox="1"/>
+          <p:nvPr/>
+        </p:nvSpPr>
+        <p:spPr>
+          <a:xfrm flipH="1">
+            <a:off x="382582" y="4542096"/>
+            <a:ext cx="1204506" cy="276999"/>
+          </a:xfrm>
+          <a:prstGeom prst="rect">
+            <a:avLst/>
+          </a:prstGeom>
+          <a:solidFill>
+            <a:srgbClr val="92D050"/>
+          </a:solidFill>
+        </p:spPr>
+        <p:txBody>
+          <a:bodyPr wrap="square" rtlCol="0">
+            <a:spAutoFit/>
+          </a:bodyPr>
+          <a:lstStyle/>
+          <a:p>
+            <a:r>
+              <a:rPr lang="en-US" altLang="zh-TW" sz="1200" dirty="0" err="1"/>
+              <a:t>Maxpool</a:t>
+            </a:r>
+            <a:r>
+              <a:rPr lang="en-US" altLang="zh-TW" sz="1200" dirty="0"/>
+              <a:t>(2*2)</a:t>
+            </a:r>
+            <a:endParaRPr lang="zh-TW" altLang="en-US" sz="1200" dirty="0"/>
+          </a:p>
+        </p:txBody>
+      </p:sp>
+      <p:sp>
+        <p:nvSpPr>
+          <p:cNvPr id="23" name="文字方塊 22">
+            <a:extLst>
+              <a:ext uri="{FF2B5EF4-FFF2-40B4-BE49-F238E27FC236}">
+                <a16:creationId xmlns:a16="http://schemas.microsoft.com/office/drawing/2014/main" id="{563B73C2-E07F-0719-552D-D9E8F11824F8}"/>
+              </a:ext>
+            </a:extLst>
+          </p:cNvPr>
+          <p:cNvSpPr txBox="1"/>
+          <p:nvPr/>
+        </p:nvSpPr>
+        <p:spPr>
+          <a:xfrm flipH="1">
+            <a:off x="384583" y="5374581"/>
+            <a:ext cx="1204506" cy="276999"/>
+          </a:xfrm>
+          <a:prstGeom prst="rect">
+            <a:avLst/>
+          </a:prstGeom>
+          <a:solidFill>
+            <a:srgbClr val="92D050"/>
+          </a:solidFill>
+        </p:spPr>
+        <p:txBody>
+          <a:bodyPr wrap="square" rtlCol="0">
+            <a:spAutoFit/>
+          </a:bodyPr>
+          <a:lstStyle/>
+          <a:p>
+            <a:r>
+              <a:rPr lang="en-US" altLang="zh-TW" sz="1200" dirty="0" err="1"/>
+              <a:t>Maxpool</a:t>
+            </a:r>
+            <a:r>
+              <a:rPr lang="en-US" altLang="zh-TW" sz="1200" dirty="0"/>
+              <a:t>(2*2)</a:t>
+            </a:r>
+            <a:endParaRPr lang="zh-TW" altLang="en-US" sz="1200" dirty="0"/>
+          </a:p>
+        </p:txBody>
+      </p:sp>
+      <p:sp>
+        <p:nvSpPr>
+          <p:cNvPr id="25" name="文字方塊 24">
+            <a:extLst>
+              <a:ext uri="{FF2B5EF4-FFF2-40B4-BE49-F238E27FC236}">
+                <a16:creationId xmlns:a16="http://schemas.microsoft.com/office/drawing/2014/main" id="{D5F1D2E2-823C-A231-C2EF-4874AEAF5981}"/>
+              </a:ext>
+            </a:extLst>
+          </p:cNvPr>
+          <p:cNvSpPr txBox="1"/>
+          <p:nvPr/>
+        </p:nvSpPr>
+        <p:spPr>
+          <a:xfrm flipH="1">
+            <a:off x="2585280" y="2533022"/>
+            <a:ext cx="524104" cy="276999"/>
+          </a:xfrm>
+          <a:prstGeom prst="rect">
+            <a:avLst/>
+          </a:prstGeom>
+          <a:solidFill>
+            <a:srgbClr val="E739B9"/>
+          </a:solidFill>
+        </p:spPr>
+        <p:txBody>
+          <a:bodyPr wrap="square" rtlCol="0">
+            <a:spAutoFit/>
+          </a:bodyPr>
+          <a:lstStyle/>
+          <a:p>
+            <a:r>
+              <a:rPr lang="en-US" altLang="zh-TW" sz="1200" dirty="0" err="1"/>
+              <a:t>ReLU</a:t>
+            </a:r>
+            <a:endParaRPr lang="zh-TW" altLang="en-US" sz="1200" dirty="0"/>
+          </a:p>
+        </p:txBody>
+      </p:sp>
+      <p:sp>
+        <p:nvSpPr>
+          <p:cNvPr id="26" name="文字方塊 25">
+            <a:extLst>
+              <a:ext uri="{FF2B5EF4-FFF2-40B4-BE49-F238E27FC236}">
+                <a16:creationId xmlns:a16="http://schemas.microsoft.com/office/drawing/2014/main" id="{6A788EC8-EB96-1132-D375-A1477B458F33}"/>
+              </a:ext>
+            </a:extLst>
+          </p:cNvPr>
+          <p:cNvSpPr txBox="1"/>
+          <p:nvPr/>
+        </p:nvSpPr>
+        <p:spPr>
+          <a:xfrm flipH="1">
+            <a:off x="3630314" y="3357211"/>
+            <a:ext cx="524104" cy="276999"/>
+          </a:xfrm>
+          <a:prstGeom prst="rect">
+            <a:avLst/>
+          </a:prstGeom>
+          <a:solidFill>
+            <a:srgbClr val="E739B9"/>
+          </a:solidFill>
+        </p:spPr>
+        <p:txBody>
+          <a:bodyPr wrap="square" rtlCol="0">
+            <a:spAutoFit/>
+          </a:bodyPr>
+          <a:lstStyle/>
+          <a:p>
+            <a:r>
+              <a:rPr lang="en-US" altLang="zh-TW" sz="1200" dirty="0" err="1"/>
+              <a:t>ReLU</a:t>
+            </a:r>
+            <a:endParaRPr lang="zh-TW" altLang="en-US" sz="1200" dirty="0"/>
+          </a:p>
+        </p:txBody>
+      </p:sp>
+      <p:sp>
+        <p:nvSpPr>
+          <p:cNvPr id="27" name="文字方塊 26">
+            <a:extLst>
+              <a:ext uri="{FF2B5EF4-FFF2-40B4-BE49-F238E27FC236}">
+                <a16:creationId xmlns:a16="http://schemas.microsoft.com/office/drawing/2014/main" id="{91E9C99B-5099-4A0D-9986-E3C519B5D52B}"/>
+              </a:ext>
+            </a:extLst>
+          </p:cNvPr>
+          <p:cNvSpPr txBox="1"/>
+          <p:nvPr/>
+        </p:nvSpPr>
+        <p:spPr>
+          <a:xfrm flipH="1">
+            <a:off x="5181531" y="4156748"/>
+            <a:ext cx="524104" cy="276999"/>
+          </a:xfrm>
+          <a:prstGeom prst="rect">
+            <a:avLst/>
+          </a:prstGeom>
+          <a:solidFill>
+            <a:srgbClr val="E739B9"/>
+          </a:solidFill>
+        </p:spPr>
+        <p:txBody>
+          <a:bodyPr wrap="square" rtlCol="0">
+            <a:spAutoFit/>
+          </a:bodyPr>
+          <a:lstStyle/>
+          <a:p>
+            <a:r>
+              <a:rPr lang="en-US" altLang="zh-TW" sz="1200" dirty="0" err="1"/>
+              <a:t>ReLU</a:t>
+            </a:r>
+            <a:endParaRPr lang="zh-TW" altLang="en-US" sz="1200" dirty="0"/>
+          </a:p>
+        </p:txBody>
+      </p:sp>
+      <p:sp>
+        <p:nvSpPr>
+          <p:cNvPr id="28" name="文字方塊 27">
+            <a:extLst>
+              <a:ext uri="{FF2B5EF4-FFF2-40B4-BE49-F238E27FC236}">
+                <a16:creationId xmlns:a16="http://schemas.microsoft.com/office/drawing/2014/main" id="{6B498BAA-F320-91AE-AD86-15191E8FFD17}"/>
+              </a:ext>
+            </a:extLst>
+          </p:cNvPr>
+          <p:cNvSpPr txBox="1"/>
+          <p:nvPr/>
+        </p:nvSpPr>
+        <p:spPr>
+          <a:xfrm flipH="1">
+            <a:off x="5928852" y="4955954"/>
+            <a:ext cx="524104" cy="276999"/>
+          </a:xfrm>
+          <a:prstGeom prst="rect">
+            <a:avLst/>
+          </a:prstGeom>
+          <a:solidFill>
+            <a:srgbClr val="E739B9"/>
+          </a:solidFill>
+        </p:spPr>
+        <p:txBody>
+          <a:bodyPr wrap="square" rtlCol="0">
+            <a:spAutoFit/>
+          </a:bodyPr>
+          <a:lstStyle/>
+          <a:p>
+            <a:r>
+              <a:rPr lang="en-US" altLang="zh-TW" sz="1200" dirty="0" err="1"/>
+              <a:t>ReLU</a:t>
+            </a:r>
+            <a:endParaRPr lang="zh-TW" altLang="en-US" sz="1200" dirty="0"/>
+          </a:p>
+        </p:txBody>
+      </p:sp>
+      <p:sp>
+        <p:nvSpPr>
+          <p:cNvPr id="29" name="文字方塊 28">
+            <a:extLst>
+              <a:ext uri="{FF2B5EF4-FFF2-40B4-BE49-F238E27FC236}">
+                <a16:creationId xmlns:a16="http://schemas.microsoft.com/office/drawing/2014/main" id="{2D32DAE0-F661-E68A-0585-DDA4C95CF181}"/>
+              </a:ext>
+            </a:extLst>
+          </p:cNvPr>
+          <p:cNvSpPr txBox="1"/>
+          <p:nvPr/>
+        </p:nvSpPr>
+        <p:spPr>
+          <a:xfrm flipH="1">
+            <a:off x="11468031" y="5786983"/>
+            <a:ext cx="524104" cy="276999"/>
+          </a:xfrm>
+          <a:prstGeom prst="rect">
+            <a:avLst/>
+          </a:prstGeom>
+          <a:solidFill>
+            <a:srgbClr val="E739B9"/>
+          </a:solidFill>
+        </p:spPr>
+        <p:txBody>
+          <a:bodyPr wrap="square" rtlCol="0">
+            <a:spAutoFit/>
+          </a:bodyPr>
+          <a:lstStyle/>
+          <a:p>
+            <a:r>
+              <a:rPr lang="en-US" altLang="zh-TW" sz="1200" dirty="0" err="1"/>
+              <a:t>ReLU</a:t>
+            </a:r>
+            <a:endParaRPr lang="zh-TW" altLang="en-US" sz="1200" dirty="0"/>
+          </a:p>
+        </p:txBody>
+      </p:sp>
+      <p:sp>
+        <p:nvSpPr>
+          <p:cNvPr id="30" name="文字方塊 29">
+            <a:extLst>
+              <a:ext uri="{FF2B5EF4-FFF2-40B4-BE49-F238E27FC236}">
+                <a16:creationId xmlns:a16="http://schemas.microsoft.com/office/drawing/2014/main" id="{99091231-DD53-A571-5E11-B2AF2F9728BA}"/>
+              </a:ext>
+            </a:extLst>
+          </p:cNvPr>
+          <p:cNvSpPr txBox="1"/>
+          <p:nvPr/>
+        </p:nvSpPr>
+        <p:spPr>
+          <a:xfrm flipH="1">
+            <a:off x="11468031" y="5159187"/>
+            <a:ext cx="524104" cy="276999"/>
+          </a:xfrm>
+          <a:prstGeom prst="rect">
+            <a:avLst/>
+          </a:prstGeom>
+          <a:solidFill>
+            <a:srgbClr val="E739B9"/>
+          </a:solidFill>
+        </p:spPr>
+        <p:txBody>
+          <a:bodyPr wrap="square" rtlCol="0">
+            <a:spAutoFit/>
+          </a:bodyPr>
+          <a:lstStyle/>
+          <a:p>
+            <a:r>
+              <a:rPr lang="en-US" altLang="zh-TW" sz="1200" dirty="0" err="1"/>
+              <a:t>ReLU</a:t>
+            </a:r>
+            <a:endParaRPr lang="zh-TW" altLang="en-US" sz="1200" dirty="0"/>
+          </a:p>
+        </p:txBody>
+      </p:sp>
+      <p:sp>
+        <p:nvSpPr>
+          <p:cNvPr id="31" name="文字方塊 30">
+            <a:extLst>
+              <a:ext uri="{FF2B5EF4-FFF2-40B4-BE49-F238E27FC236}">
+                <a16:creationId xmlns:a16="http://schemas.microsoft.com/office/drawing/2014/main" id="{6BFBDCA4-7624-1337-C677-387877E606B2}"/>
+              </a:ext>
+            </a:extLst>
+          </p:cNvPr>
+          <p:cNvSpPr txBox="1"/>
+          <p:nvPr/>
+        </p:nvSpPr>
+        <p:spPr>
+          <a:xfrm flipH="1">
+            <a:off x="1572907" y="2133420"/>
+            <a:ext cx="963412" cy="276999"/>
+          </a:xfrm>
+          <a:prstGeom prst="rect">
+            <a:avLst/>
+          </a:prstGeom>
+          <a:solidFill>
+            <a:schemeClr val="accent4">
+              <a:lumMod val="20000"/>
+              <a:lumOff val="80000"/>
             </a:schemeClr>
-          </a:lnRef>
-          <a:fillRef idx="1">
-            <a:schemeClr val="accent1"/>
-          </a:fillRef>
-          <a:effectRef idx="0">
-            <a:schemeClr val="accent1"/>
-          </a:effectRef>
-          <a:fontRef idx="minor">
-            <a:schemeClr val="lt1"/>
-          </a:fontRef>
-        </p:style>
-        <p:txBody>
-          <a:bodyPr wrap="none" rtlCol="0" anchor="ctr" anchorCtr="1"/>
-          <a:lstStyle/>
-          <a:p>
-            <a:endParaRPr lang="ja-JP" altLang="en-US" dirty="0">
-              <a:gradFill>
-                <a:gsLst>
-                  <a:gs pos="1000">
-                    <a:srgbClr val="489CD1"/>
-                  </a:gs>
-                  <a:gs pos="25000">
-                    <a:srgbClr val="A9D7B2"/>
-                  </a:gs>
-                  <a:gs pos="50000">
-                    <a:srgbClr val="B92B65"/>
-                  </a:gs>
-                  <a:gs pos="76000">
-                    <a:srgbClr val="9B2486"/>
-                  </a:gs>
-                  <a:gs pos="100000">
-                    <a:srgbClr val="244F85"/>
-                  </a:gs>
-                </a:gsLst>
-              </a:gradFill>
-            </a:endParaRPr>
-          </a:p>
-        </p:txBody>
-      </p:sp>
-      <mc:AlternateContent xmlns:mc="http://schemas.openxmlformats.org/markup-compatibility/2006" xmlns:p14="http://schemas.microsoft.com/office/powerpoint/2010/main">
-        <mc:Choice Requires="p14">
-          <p:contentPart p14:bwMode="auto" r:id="rId14">
-            <p14:nvContentPartPr>
-              <p14:cNvPr id="7" name="筆跡 8">
-                <a:extLst>
-                  <a:ext uri="{FF2B5EF4-FFF2-40B4-BE49-F238E27FC236}">
-                    <a16:creationId xmlns:a16="http://schemas.microsoft.com/office/drawing/2014/main" id="{27C48834-77A4-1CD5-33F7-B8759DDB7DA5}"/>
-                  </a:ext>
-                </a:extLst>
-              </p14:cNvPr>
-              <p14:cNvContentPartPr/>
-              <p14:nvPr/>
-            </p14:nvContentPartPr>
-            <p14:xfrm>
-              <a:off x="2976940" y="5601454"/>
-              <a:ext cx="168480" cy="124920"/>
-            </p14:xfrm>
-          </p:contentPart>
-        </mc:Choice>
-        <mc:Fallback xmlns="">
-          <p:pic>
-            <p:nvPicPr>
-              <p:cNvPr id="7" name="筆跡 8">
-                <a:extLst>
-                  <a:ext uri="{FF2B5EF4-FFF2-40B4-BE49-F238E27FC236}">
-                    <a16:creationId xmlns:a16="http://schemas.microsoft.com/office/drawing/2014/main" id="{27C48834-77A4-1CD5-33F7-B8759DDB7DA5}"/>
-                  </a:ext>
-                </a:extLst>
-              </p:cNvPr>
-              <p:cNvPicPr/>
-              <p:nvPr/>
-            </p:nvPicPr>
-            <p:blipFill>
-              <a:blip r:embed="rId15"/>
-              <a:stretch>
-                <a:fillRect/>
-              </a:stretch>
-            </p:blipFill>
-            <p:spPr>
-              <a:xfrm>
-                <a:off x="2961460" y="5586334"/>
-                <a:ext cx="199080" cy="155520"/>
-              </a:xfrm>
-              <a:prstGeom prst="rect">
-                <a:avLst/>
-              </a:prstGeom>
-            </p:spPr>
-          </p:pic>
-        </mc:Fallback>
-      </mc:AlternateContent>
-      <mc:AlternateContent xmlns:mc="http://schemas.openxmlformats.org/markup-compatibility/2006" xmlns:p14="http://schemas.microsoft.com/office/powerpoint/2010/main">
-        <mc:Choice Requires="p14">
-          <p:contentPart p14:bwMode="auto" r:id="rId16">
-            <p14:nvContentPartPr>
-              <p14:cNvPr id="13" name="筆跡 14">
-                <a:extLst>
-                  <a:ext uri="{FF2B5EF4-FFF2-40B4-BE49-F238E27FC236}">
-                    <a16:creationId xmlns:a16="http://schemas.microsoft.com/office/drawing/2014/main" id="{5E94DBBC-1227-5EBA-1AA5-4B3ED60462FE}"/>
-                  </a:ext>
-                </a:extLst>
-              </p14:cNvPr>
-              <p14:cNvContentPartPr/>
-              <p14:nvPr/>
-            </p14:nvContentPartPr>
-            <p14:xfrm>
-              <a:off x="6097007" y="5629976"/>
-              <a:ext cx="152280" cy="103680"/>
-            </p14:xfrm>
-          </p:contentPart>
-        </mc:Choice>
-        <mc:Fallback xmlns="">
-          <p:pic>
-            <p:nvPicPr>
-              <p:cNvPr id="13" name="筆跡 14">
-                <a:extLst>
-                  <a:ext uri="{FF2B5EF4-FFF2-40B4-BE49-F238E27FC236}">
-                    <a16:creationId xmlns:a16="http://schemas.microsoft.com/office/drawing/2014/main" id="{5E94DBBC-1227-5EBA-1AA5-4B3ED60462FE}"/>
-                  </a:ext>
-                </a:extLst>
-              </p:cNvPr>
-              <p:cNvPicPr/>
-              <p:nvPr/>
-            </p:nvPicPr>
-            <p:blipFill>
-              <a:blip r:embed="rId17"/>
-              <a:stretch>
-                <a:fillRect/>
-              </a:stretch>
-            </p:blipFill>
-            <p:spPr>
-              <a:xfrm>
-                <a:off x="6081887" y="5614496"/>
-                <a:ext cx="182880" cy="133920"/>
-              </a:xfrm>
-              <a:prstGeom prst="rect">
-                <a:avLst/>
-              </a:prstGeom>
-            </p:spPr>
-          </p:pic>
-        </mc:Fallback>
-      </mc:AlternateContent>
-      <mc:AlternateContent xmlns:mc="http://schemas.openxmlformats.org/markup-compatibility/2006" xmlns:p14="http://schemas.microsoft.com/office/powerpoint/2010/main">
-        <mc:Choice Requires="p14">
-          <p:contentPart p14:bwMode="auto" r:id="rId18">
-            <p14:nvContentPartPr>
-              <p14:cNvPr id="30" name="筆跡 30">
-                <a:extLst>
-                  <a:ext uri="{FF2B5EF4-FFF2-40B4-BE49-F238E27FC236}">
-                    <a16:creationId xmlns:a16="http://schemas.microsoft.com/office/drawing/2014/main" id="{E5239CF2-7EA2-305A-7243-D04B48990EB2}"/>
-                  </a:ext>
-                </a:extLst>
-              </p14:cNvPr>
-              <p14:cNvContentPartPr/>
-              <p14:nvPr/>
-            </p14:nvContentPartPr>
-            <p14:xfrm>
-              <a:off x="6959927" y="5667056"/>
-              <a:ext cx="183960" cy="109440"/>
-            </p14:xfrm>
-          </p:contentPart>
-        </mc:Choice>
-        <mc:Fallback xmlns="">
-          <p:pic>
-            <p:nvPicPr>
-              <p:cNvPr id="30" name="筆跡 30">
-                <a:extLst>
-                  <a:ext uri="{FF2B5EF4-FFF2-40B4-BE49-F238E27FC236}">
-                    <a16:creationId xmlns:a16="http://schemas.microsoft.com/office/drawing/2014/main" id="{E5239CF2-7EA2-305A-7243-D04B48990EB2}"/>
-                  </a:ext>
-                </a:extLst>
-              </p:cNvPr>
-              <p:cNvPicPr/>
-              <p:nvPr/>
-            </p:nvPicPr>
-            <p:blipFill>
-              <a:blip r:embed="rId19"/>
-              <a:stretch>
-                <a:fillRect/>
-              </a:stretch>
-            </p:blipFill>
-            <p:spPr>
-              <a:xfrm>
-                <a:off x="6944807" y="5651936"/>
-                <a:ext cx="214200" cy="139680"/>
-              </a:xfrm>
-              <a:prstGeom prst="rect">
-                <a:avLst/>
-              </a:prstGeom>
-            </p:spPr>
-          </p:pic>
-        </mc:Fallback>
-      </mc:AlternateContent>
-      <mc:AlternateContent xmlns:mc="http://schemas.openxmlformats.org/markup-compatibility/2006" xmlns:p14="http://schemas.microsoft.com/office/powerpoint/2010/main">
-        <mc:Choice Requires="p14">
-          <p:contentPart p14:bwMode="auto" r:id="rId20">
-            <p14:nvContentPartPr>
-              <p14:cNvPr id="43" name="筆跡 44">
-                <a:extLst>
-                  <a:ext uri="{FF2B5EF4-FFF2-40B4-BE49-F238E27FC236}">
-                    <a16:creationId xmlns:a16="http://schemas.microsoft.com/office/drawing/2014/main" id="{D14AEA6B-17FE-066B-941E-DCDF67F7927D}"/>
-                  </a:ext>
-                </a:extLst>
-              </p14:cNvPr>
-              <p14:cNvContentPartPr/>
-              <p14:nvPr/>
-            </p14:nvContentPartPr>
-            <p14:xfrm>
-              <a:off x="9020880" y="5698562"/>
-              <a:ext cx="166680" cy="109440"/>
-            </p14:xfrm>
-          </p:contentPart>
-        </mc:Choice>
-        <mc:Fallback xmlns="">
-          <p:pic>
-            <p:nvPicPr>
-              <p:cNvPr id="43" name="筆跡 44">
-                <a:extLst>
-                  <a:ext uri="{FF2B5EF4-FFF2-40B4-BE49-F238E27FC236}">
-                    <a16:creationId xmlns:a16="http://schemas.microsoft.com/office/drawing/2014/main" id="{D14AEA6B-17FE-066B-941E-DCDF67F7927D}"/>
-                  </a:ext>
-                </a:extLst>
-              </p:cNvPr>
-              <p:cNvPicPr/>
-              <p:nvPr/>
-            </p:nvPicPr>
-            <p:blipFill>
-              <a:blip r:embed="rId21"/>
-              <a:stretch>
-                <a:fillRect/>
-              </a:stretch>
-            </p:blipFill>
-            <p:spPr>
-              <a:xfrm>
-                <a:off x="9005760" y="5683442"/>
-                <a:ext cx="197280" cy="139680"/>
-              </a:xfrm>
-              <a:prstGeom prst="rect">
-                <a:avLst/>
-              </a:prstGeom>
-            </p:spPr>
-          </p:pic>
-        </mc:Fallback>
-      </mc:AlternateContent>
-      <mc:AlternateContent xmlns:mc="http://schemas.openxmlformats.org/markup-compatibility/2006" xmlns:p14="http://schemas.microsoft.com/office/powerpoint/2010/main">
-        <mc:Choice Requires="p14">
-          <p:contentPart p14:bwMode="auto" r:id="rId22">
-            <p14:nvContentPartPr>
-              <p14:cNvPr id="68" name="筆跡 68">
-                <a:extLst>
-                  <a:ext uri="{FF2B5EF4-FFF2-40B4-BE49-F238E27FC236}">
-                    <a16:creationId xmlns:a16="http://schemas.microsoft.com/office/drawing/2014/main" id="{AD653194-427A-62AD-372C-D30B3E06047A}"/>
-                  </a:ext>
-                </a:extLst>
-              </p14:cNvPr>
-              <p14:cNvContentPartPr/>
-              <p14:nvPr/>
-            </p14:nvContentPartPr>
-            <p14:xfrm>
-              <a:off x="9906840" y="5678706"/>
-              <a:ext cx="129240" cy="92160"/>
-            </p14:xfrm>
-          </p:contentPart>
-        </mc:Choice>
-        <mc:Fallback xmlns="">
-          <p:pic>
-            <p:nvPicPr>
-              <p:cNvPr id="68" name="筆跡 68">
-                <a:extLst>
-                  <a:ext uri="{FF2B5EF4-FFF2-40B4-BE49-F238E27FC236}">
-                    <a16:creationId xmlns:a16="http://schemas.microsoft.com/office/drawing/2014/main" id="{AD653194-427A-62AD-372C-D30B3E06047A}"/>
-                  </a:ext>
-                </a:extLst>
-              </p:cNvPr>
-              <p:cNvPicPr/>
-              <p:nvPr/>
-            </p:nvPicPr>
-            <p:blipFill>
-              <a:blip r:embed="rId23"/>
-              <a:stretch>
-                <a:fillRect/>
-              </a:stretch>
-            </p:blipFill>
-            <p:spPr>
-              <a:xfrm>
-                <a:off x="9891720" y="5663226"/>
-                <a:ext cx="159840" cy="122760"/>
-              </a:xfrm>
-              <a:prstGeom prst="rect">
-                <a:avLst/>
-              </a:prstGeom>
-            </p:spPr>
-          </p:pic>
-        </mc:Fallback>
-      </mc:AlternateContent>
-      <mc:AlternateContent xmlns:mc="http://schemas.openxmlformats.org/markup-compatibility/2006" xmlns:p14="http://schemas.microsoft.com/office/powerpoint/2010/main">
-        <mc:Choice Requires="p14">
-          <p:contentPart p14:bwMode="auto" r:id="rId24">
-            <p14:nvContentPartPr>
-              <p14:cNvPr id="71" name="筆跡 71">
-                <a:extLst>
-                  <a:ext uri="{FF2B5EF4-FFF2-40B4-BE49-F238E27FC236}">
-                    <a16:creationId xmlns:a16="http://schemas.microsoft.com/office/drawing/2014/main" id="{011D974A-5263-B7F0-3E02-D25DFBB19CA9}"/>
-                  </a:ext>
-                </a:extLst>
-              </p14:cNvPr>
-              <p14:cNvContentPartPr/>
-              <p14:nvPr/>
-            </p14:nvContentPartPr>
-            <p14:xfrm>
-              <a:off x="5968762" y="3067920"/>
-              <a:ext cx="149760" cy="579960"/>
-            </p14:xfrm>
-          </p:contentPart>
-        </mc:Choice>
-        <mc:Fallback xmlns="">
-          <p:pic>
-            <p:nvPicPr>
-              <p:cNvPr id="71" name="筆跡 71">
-                <a:extLst>
-                  <a:ext uri="{FF2B5EF4-FFF2-40B4-BE49-F238E27FC236}">
-                    <a16:creationId xmlns:a16="http://schemas.microsoft.com/office/drawing/2014/main" id="{011D974A-5263-B7F0-3E02-D25DFBB19CA9}"/>
-                  </a:ext>
-                </a:extLst>
-              </p:cNvPr>
-              <p:cNvPicPr/>
-              <p:nvPr/>
-            </p:nvPicPr>
-            <p:blipFill>
-              <a:blip r:embed="rId25"/>
-              <a:stretch>
-                <a:fillRect/>
-              </a:stretch>
-            </p:blipFill>
-            <p:spPr>
-              <a:xfrm>
-                <a:off x="5953642" y="3052791"/>
-                <a:ext cx="180360" cy="610579"/>
-              </a:xfrm>
-              <a:prstGeom prst="rect">
-                <a:avLst/>
-              </a:prstGeom>
-            </p:spPr>
-          </p:pic>
-        </mc:Fallback>
-      </mc:AlternateContent>
-      <mc:AlternateContent xmlns:mc="http://schemas.openxmlformats.org/markup-compatibility/2006" xmlns:p14="http://schemas.microsoft.com/office/powerpoint/2010/main">
-        <mc:Choice Requires="p14">
-          <p:contentPart p14:bwMode="auto" r:id="rId26">
-            <p14:nvContentPartPr>
-              <p14:cNvPr id="80" name="筆跡 80">
-                <a:extLst>
-                  <a:ext uri="{FF2B5EF4-FFF2-40B4-BE49-F238E27FC236}">
-                    <a16:creationId xmlns:a16="http://schemas.microsoft.com/office/drawing/2014/main" id="{76858ECB-E533-348E-7CE7-2D406B37D788}"/>
-                  </a:ext>
-                </a:extLst>
-              </p14:cNvPr>
-              <p14:cNvContentPartPr/>
-              <p14:nvPr/>
-            </p14:nvContentPartPr>
-            <p14:xfrm>
-              <a:off x="5991850" y="4303807"/>
-              <a:ext cx="167760" cy="540720"/>
-            </p14:xfrm>
-          </p:contentPart>
-        </mc:Choice>
-        <mc:Fallback xmlns="">
-          <p:pic>
-            <p:nvPicPr>
-              <p:cNvPr id="80" name="筆跡 80">
-                <a:extLst>
-                  <a:ext uri="{FF2B5EF4-FFF2-40B4-BE49-F238E27FC236}">
-                    <a16:creationId xmlns:a16="http://schemas.microsoft.com/office/drawing/2014/main" id="{76858ECB-E533-348E-7CE7-2D406B37D788}"/>
-                  </a:ext>
-                </a:extLst>
-              </p:cNvPr>
-              <p:cNvPicPr/>
-              <p:nvPr/>
-            </p:nvPicPr>
-            <p:blipFill>
-              <a:blip r:embed="rId27"/>
-              <a:stretch>
-                <a:fillRect/>
-              </a:stretch>
-            </p:blipFill>
-            <p:spPr>
-              <a:xfrm>
-                <a:off x="5976730" y="4288687"/>
-                <a:ext cx="198360" cy="571320"/>
-              </a:xfrm>
-              <a:prstGeom prst="rect">
-                <a:avLst/>
-              </a:prstGeom>
-            </p:spPr>
-          </p:pic>
-        </mc:Fallback>
-      </mc:AlternateContent>
+          </a:solidFill>
+        </p:spPr>
+        <p:txBody>
+          <a:bodyPr wrap="square" rtlCol="0">
+            <a:spAutoFit/>
+          </a:bodyPr>
+          <a:lstStyle/>
+          <a:p>
+            <a:r>
+              <a:rPr lang="en-US" altLang="zh-TW" sz="1200" dirty="0"/>
+              <a:t>Dropout(0.2)</a:t>
+            </a:r>
+            <a:endParaRPr lang="zh-TW" altLang="en-US" sz="1200" dirty="0"/>
+          </a:p>
+        </p:txBody>
+      </p:sp>
+      <p:sp>
+        <p:nvSpPr>
+          <p:cNvPr id="32" name="文字方塊 31">
+            <a:extLst>
+              <a:ext uri="{FF2B5EF4-FFF2-40B4-BE49-F238E27FC236}">
+                <a16:creationId xmlns:a16="http://schemas.microsoft.com/office/drawing/2014/main" id="{22716424-21BB-13EC-FCF8-FD8AB6A31927}"/>
+              </a:ext>
+            </a:extLst>
+          </p:cNvPr>
+          <p:cNvSpPr txBox="1"/>
+          <p:nvPr/>
+        </p:nvSpPr>
+        <p:spPr>
+          <a:xfrm flipH="1">
+            <a:off x="1567587" y="2946045"/>
+            <a:ext cx="963412" cy="276999"/>
+          </a:xfrm>
+          <a:prstGeom prst="rect">
+            <a:avLst/>
+          </a:prstGeom>
+          <a:solidFill>
+            <a:schemeClr val="accent4">
+              <a:lumMod val="20000"/>
+              <a:lumOff val="80000"/>
+            </a:schemeClr>
+          </a:solidFill>
+        </p:spPr>
+        <p:txBody>
+          <a:bodyPr wrap="square" rtlCol="0">
+            <a:spAutoFit/>
+          </a:bodyPr>
+          <a:lstStyle/>
+          <a:p>
+            <a:r>
+              <a:rPr lang="en-US" altLang="zh-TW" sz="1200" dirty="0"/>
+              <a:t>Dropout(0.2)</a:t>
+            </a:r>
+            <a:endParaRPr lang="zh-TW" altLang="en-US" sz="1200" dirty="0"/>
+          </a:p>
+        </p:txBody>
+      </p:sp>
+      <p:sp>
+        <p:nvSpPr>
+          <p:cNvPr id="33" name="文字方塊 32">
+            <a:extLst>
+              <a:ext uri="{FF2B5EF4-FFF2-40B4-BE49-F238E27FC236}">
+                <a16:creationId xmlns:a16="http://schemas.microsoft.com/office/drawing/2014/main" id="{C3BD055F-C77C-FF9A-2820-1A18EA6F369A}"/>
+              </a:ext>
+            </a:extLst>
+          </p:cNvPr>
+          <p:cNvSpPr txBox="1"/>
+          <p:nvPr/>
+        </p:nvSpPr>
+        <p:spPr>
+          <a:xfrm flipH="1">
+            <a:off x="1567587" y="3755603"/>
+            <a:ext cx="963412" cy="276999"/>
+          </a:xfrm>
+          <a:prstGeom prst="rect">
+            <a:avLst/>
+          </a:prstGeom>
+          <a:solidFill>
+            <a:schemeClr val="accent4">
+              <a:lumMod val="20000"/>
+              <a:lumOff val="80000"/>
+            </a:schemeClr>
+          </a:solidFill>
+        </p:spPr>
+        <p:txBody>
+          <a:bodyPr wrap="square" rtlCol="0">
+            <a:spAutoFit/>
+          </a:bodyPr>
+          <a:lstStyle/>
+          <a:p>
+            <a:r>
+              <a:rPr lang="en-US" altLang="zh-TW" sz="1200" dirty="0"/>
+              <a:t>Dropout(0.2)</a:t>
+            </a:r>
+            <a:endParaRPr lang="zh-TW" altLang="en-US" sz="1200" dirty="0"/>
+          </a:p>
+        </p:txBody>
+      </p:sp>
+      <p:sp>
+        <p:nvSpPr>
+          <p:cNvPr id="34" name="文字方塊 33">
+            <a:extLst>
+              <a:ext uri="{FF2B5EF4-FFF2-40B4-BE49-F238E27FC236}">
+                <a16:creationId xmlns:a16="http://schemas.microsoft.com/office/drawing/2014/main" id="{8F00625C-6FFA-A5D6-4019-F800B49C3686}"/>
+              </a:ext>
+            </a:extLst>
+          </p:cNvPr>
+          <p:cNvSpPr txBox="1"/>
+          <p:nvPr/>
+        </p:nvSpPr>
+        <p:spPr>
+          <a:xfrm flipH="1">
+            <a:off x="1567587" y="4547682"/>
+            <a:ext cx="963412" cy="276999"/>
+          </a:xfrm>
+          <a:prstGeom prst="rect">
+            <a:avLst/>
+          </a:prstGeom>
+          <a:solidFill>
+            <a:schemeClr val="accent4">
+              <a:lumMod val="20000"/>
+              <a:lumOff val="80000"/>
+            </a:schemeClr>
+          </a:solidFill>
+        </p:spPr>
+        <p:txBody>
+          <a:bodyPr wrap="square" rtlCol="0">
+            <a:spAutoFit/>
+          </a:bodyPr>
+          <a:lstStyle/>
+          <a:p>
+            <a:r>
+              <a:rPr lang="en-US" altLang="zh-TW" sz="1200" dirty="0"/>
+              <a:t>Dropout(0.2)</a:t>
+            </a:r>
+            <a:endParaRPr lang="zh-TW" altLang="en-US" sz="1200" dirty="0"/>
+          </a:p>
+        </p:txBody>
+      </p:sp>
     </p:spTree>
     <p:extLst>
       <p:ext uri="{BB962C8B-B14F-4D97-AF65-F5344CB8AC3E}">
-        <p14:creationId xmlns:p14="http://schemas.microsoft.com/office/powerpoint/2010/main" val="225648720"/>
+        <p14:creationId xmlns:p14="http://schemas.microsoft.com/office/powerpoint/2010/main" val="1621464932"/>
       </p:ext>
     </p:extLst>
   </p:cSld>
@@ -6992,10 +5811,10 @@
       </p:sp>
       <p:pic>
         <p:nvPicPr>
-          <p:cNvPr id="6" name="圖片 5">
-            <a:extLst>
-              <a:ext uri="{FF2B5EF4-FFF2-40B4-BE49-F238E27FC236}">
-                <a16:creationId xmlns:a16="http://schemas.microsoft.com/office/drawing/2014/main" id="{C240010B-DE12-E8ED-4342-757C5D263290}"/>
+          <p:cNvPr id="4" name="圖片 3" descr="一張含有 文字, 圖表, 繪圖, 行 的圖片&#10;&#10;自動產生的描述">
+            <a:extLst>
+              <a:ext uri="{FF2B5EF4-FFF2-40B4-BE49-F238E27FC236}">
+                <a16:creationId xmlns:a16="http://schemas.microsoft.com/office/drawing/2014/main" id="{EBFB79A0-42CE-0733-FCF9-63B64E528B2D}"/>
               </a:ext>
             </a:extLst>
           </p:cNvPr>
@@ -7005,15 +5824,21 @@
           <p:nvPr/>
         </p:nvPicPr>
         <p:blipFill>
-          <a:blip r:embed="rId2"/>
+          <a:blip r:embed="rId2">
+            <a:extLst>
+              <a:ext uri="{28A0092B-C50C-407E-A947-70E740481C1C}">
+                <a14:useLocalDpi xmlns:a14="http://schemas.microsoft.com/office/drawing/2010/main" val="0"/>
+              </a:ext>
+            </a:extLst>
+          </a:blip>
           <a:stretch>
             <a:fillRect/>
           </a:stretch>
         </p:blipFill>
         <p:spPr>
           <a:xfrm>
-            <a:off x="1244600" y="1856193"/>
-            <a:ext cx="9042400" cy="4470400"/>
+            <a:off x="1349223" y="1690688"/>
+            <a:ext cx="9041270" cy="4469841"/>
           </a:xfrm>
           <a:prstGeom prst="rect">
             <a:avLst/>
@@ -7079,36 +5904,6 @@
           </a:p>
         </p:txBody>
       </p:sp>
-      <p:pic>
-        <p:nvPicPr>
-          <p:cNvPr id="6" name="圖片 5">
-            <a:extLst>
-              <a:ext uri="{FF2B5EF4-FFF2-40B4-BE49-F238E27FC236}">
-                <a16:creationId xmlns:a16="http://schemas.microsoft.com/office/drawing/2014/main" id="{7171A026-43A6-2761-5E83-BD7A755E610A}"/>
-              </a:ext>
-            </a:extLst>
-          </p:cNvPr>
-          <p:cNvPicPr>
-            <a:picLocks noChangeAspect="1"/>
-          </p:cNvPicPr>
-          <p:nvPr/>
-        </p:nvPicPr>
-        <p:blipFill>
-          <a:blip r:embed="rId2"/>
-          <a:stretch>
-            <a:fillRect/>
-          </a:stretch>
-        </p:blipFill>
-        <p:spPr>
-          <a:xfrm>
-            <a:off x="348627" y="1438787"/>
-            <a:ext cx="5167157" cy="5419213"/>
-          </a:xfrm>
-          <a:prstGeom prst="rect">
-            <a:avLst/>
-          </a:prstGeom>
-        </p:spPr>
-      </p:pic>
       <p:graphicFrame>
         <p:nvGraphicFramePr>
           <p:cNvPr id="9" name="表格 9">
@@ -7417,6 +6212,42 @@
           </a:graphicData>
         </a:graphic>
       </p:graphicFrame>
+      <p:pic>
+        <p:nvPicPr>
+          <p:cNvPr id="4" name="圖片 3" descr="一張含有 文字, 螢幕擷取畫面, 數字, 字型 的圖片&#10;&#10;自動產生的描述">
+            <a:extLst>
+              <a:ext uri="{FF2B5EF4-FFF2-40B4-BE49-F238E27FC236}">
+                <a16:creationId xmlns:a16="http://schemas.microsoft.com/office/drawing/2014/main" id="{B3AD8D72-C99D-88D9-3536-80E9F6D16948}"/>
+              </a:ext>
+            </a:extLst>
+          </p:cNvPr>
+          <p:cNvPicPr>
+            <a:picLocks noChangeAspect="1"/>
+          </p:cNvPicPr>
+          <p:nvPr/>
+        </p:nvPicPr>
+        <p:blipFill>
+          <a:blip r:embed="rId2">
+            <a:extLst>
+              <a:ext uri="{28A0092B-C50C-407E-A947-70E740481C1C}">
+                <a14:useLocalDpi xmlns:a14="http://schemas.microsoft.com/office/drawing/2010/main" val="0"/>
+              </a:ext>
+            </a:extLst>
+          </a:blip>
+          <a:stretch>
+            <a:fillRect/>
+          </a:stretch>
+        </p:blipFill>
+        <p:spPr>
+          <a:xfrm>
+            <a:off x="710381" y="1483134"/>
+            <a:ext cx="4685714" cy="4914286"/>
+          </a:xfrm>
+          <a:prstGeom prst="rect">
+            <a:avLst/>
+          </a:prstGeom>
+        </p:spPr>
+      </p:pic>
     </p:spTree>
     <p:extLst>
       <p:ext uri="{BB962C8B-B14F-4D97-AF65-F5344CB8AC3E}">
@@ -7559,10 +6390,10 @@
       </p:sp>
       <p:pic>
         <p:nvPicPr>
-          <p:cNvPr id="15" name="圖片 14">
-            <a:extLst>
-              <a:ext uri="{FF2B5EF4-FFF2-40B4-BE49-F238E27FC236}">
-                <a16:creationId xmlns:a16="http://schemas.microsoft.com/office/drawing/2014/main" id="{C8DA3BEF-0383-7BC4-4615-6AB21B60DD42}"/>
+          <p:cNvPr id="12" name="圖片 11">
+            <a:extLst>
+              <a:ext uri="{FF2B5EF4-FFF2-40B4-BE49-F238E27FC236}">
+                <a16:creationId xmlns:a16="http://schemas.microsoft.com/office/drawing/2014/main" id="{67474E62-2A65-0572-1A44-4D13738DFC11}"/>
               </a:ext>
             </a:extLst>
           </p:cNvPr>
@@ -7573,96 +6404,6 @@
         </p:nvPicPr>
         <p:blipFill>
           <a:blip r:embed="rId2"/>
-          <a:stretch>
-            <a:fillRect/>
-          </a:stretch>
-        </p:blipFill>
-        <p:spPr>
-          <a:xfrm>
-            <a:off x="1042065" y="4063668"/>
-            <a:ext cx="2106147" cy="2056976"/>
-          </a:xfrm>
-          <a:prstGeom prst="rect">
-            <a:avLst/>
-          </a:prstGeom>
-        </p:spPr>
-      </p:pic>
-      <p:pic>
-        <p:nvPicPr>
-          <p:cNvPr id="21" name="圖片 20">
-            <a:extLst>
-              <a:ext uri="{FF2B5EF4-FFF2-40B4-BE49-F238E27FC236}">
-                <a16:creationId xmlns:a16="http://schemas.microsoft.com/office/drawing/2014/main" id="{1F9D8F28-1DC3-C06B-5006-A40FF67C62E0}"/>
-              </a:ext>
-            </a:extLst>
-          </p:cNvPr>
-          <p:cNvPicPr>
-            <a:picLocks noChangeAspect="1"/>
-          </p:cNvPicPr>
-          <p:nvPr/>
-        </p:nvPicPr>
-        <p:blipFill>
-          <a:blip r:embed="rId3"/>
-          <a:stretch>
-            <a:fillRect/>
-          </a:stretch>
-        </p:blipFill>
-        <p:spPr>
-          <a:xfrm>
-            <a:off x="5038000" y="4063668"/>
-            <a:ext cx="2106147" cy="2056976"/>
-          </a:xfrm>
-          <a:prstGeom prst="rect">
-            <a:avLst/>
-          </a:prstGeom>
-        </p:spPr>
-      </p:pic>
-      <p:pic>
-        <p:nvPicPr>
-          <p:cNvPr id="24" name="圖片 23">
-            <a:extLst>
-              <a:ext uri="{FF2B5EF4-FFF2-40B4-BE49-F238E27FC236}">
-                <a16:creationId xmlns:a16="http://schemas.microsoft.com/office/drawing/2014/main" id="{E4F07115-2B4C-FC9B-EDBE-30F53401D15E}"/>
-              </a:ext>
-            </a:extLst>
-          </p:cNvPr>
-          <p:cNvPicPr>
-            <a:picLocks noChangeAspect="1"/>
-          </p:cNvPicPr>
-          <p:nvPr/>
-        </p:nvPicPr>
-        <p:blipFill>
-          <a:blip r:embed="rId4"/>
-          <a:stretch>
-            <a:fillRect/>
-          </a:stretch>
-        </p:blipFill>
-        <p:spPr>
-          <a:xfrm>
-            <a:off x="9031357" y="4063668"/>
-            <a:ext cx="2106147" cy="2056976"/>
-          </a:xfrm>
-          <a:prstGeom prst="rect">
-            <a:avLst/>
-          </a:prstGeom>
-        </p:spPr>
-      </p:pic>
-      <p:pic>
-        <p:nvPicPr>
-          <p:cNvPr id="12" name="圖片 11">
-            <a:extLst>
-              <a:ext uri="{FF2B5EF4-FFF2-40B4-BE49-F238E27FC236}">
-                <a16:creationId xmlns:a16="http://schemas.microsoft.com/office/drawing/2014/main" id="{67474E62-2A65-0572-1A44-4D13738DFC11}"/>
-              </a:ext>
-            </a:extLst>
-          </p:cNvPr>
-          <p:cNvPicPr>
-            <a:picLocks noChangeAspect="1"/>
-          </p:cNvPicPr>
-          <p:nvPr/>
-        </p:nvPicPr>
-        <p:blipFill>
-          <a:blip r:embed="rId5"/>
           <a:stretch>
             <a:fillRect/>
           </a:stretch>
@@ -7692,7 +6433,7 @@
           <p:nvPr/>
         </p:nvPicPr>
         <p:blipFill>
-          <a:blip r:embed="rId6"/>
+          <a:blip r:embed="rId3"/>
           <a:stretch>
             <a:fillRect/>
           </a:stretch>
@@ -7722,7 +6463,7 @@
           <p:nvPr/>
         </p:nvPicPr>
         <p:blipFill>
-          <a:blip r:embed="rId7"/>
+          <a:blip r:embed="rId4"/>
           <a:stretch>
             <a:fillRect/>
           </a:stretch>
@@ -7731,6 +6472,114 @@
           <a:xfrm>
             <a:off x="8247845" y="1797548"/>
             <a:ext cx="3673171" cy="2056976"/>
+          </a:xfrm>
+          <a:prstGeom prst="rect">
+            <a:avLst/>
+          </a:prstGeom>
+        </p:spPr>
+      </p:pic>
+      <p:pic>
+        <p:nvPicPr>
+          <p:cNvPr id="4" name="圖片 3" descr="一張含有 螢幕擷取畫面, 文字, 鰭, 魚 的圖片&#10;&#10;自動產生的描述">
+            <a:extLst>
+              <a:ext uri="{FF2B5EF4-FFF2-40B4-BE49-F238E27FC236}">
+                <a16:creationId xmlns:a16="http://schemas.microsoft.com/office/drawing/2014/main" id="{AEBCCA80-B2F7-47EC-12EE-3F55C946E5AA}"/>
+              </a:ext>
+            </a:extLst>
+          </p:cNvPr>
+          <p:cNvPicPr>
+            <a:picLocks noChangeAspect="1"/>
+          </p:cNvPicPr>
+          <p:nvPr/>
+        </p:nvPicPr>
+        <p:blipFill>
+          <a:blip r:embed="rId5">
+            <a:extLst>
+              <a:ext uri="{28A0092B-C50C-407E-A947-70E740481C1C}">
+                <a14:useLocalDpi xmlns:a14="http://schemas.microsoft.com/office/drawing/2010/main" val="0"/>
+              </a:ext>
+            </a:extLst>
+          </a:blip>
+          <a:stretch>
+            <a:fillRect/>
+          </a:stretch>
+        </p:blipFill>
+        <p:spPr>
+          <a:xfrm>
+            <a:off x="662536" y="3984346"/>
+            <a:ext cx="2488315" cy="2439904"/>
+          </a:xfrm>
+          <a:prstGeom prst="rect">
+            <a:avLst/>
+          </a:prstGeom>
+        </p:spPr>
+      </p:pic>
+      <p:pic>
+        <p:nvPicPr>
+          <p:cNvPr id="7" name="圖片 6" descr="一張含有 文字, 鮮豔, 螢幕擷取畫面 的圖片&#10;&#10;自動產生的描述">
+            <a:extLst>
+              <a:ext uri="{FF2B5EF4-FFF2-40B4-BE49-F238E27FC236}">
+                <a16:creationId xmlns:a16="http://schemas.microsoft.com/office/drawing/2014/main" id="{5ADB9EBD-B8B0-5098-CF19-2BF33BBB194C}"/>
+              </a:ext>
+            </a:extLst>
+          </p:cNvPr>
+          <p:cNvPicPr>
+            <a:picLocks noChangeAspect="1"/>
+          </p:cNvPicPr>
+          <p:nvPr/>
+        </p:nvPicPr>
+        <p:blipFill>
+          <a:blip r:embed="rId6">
+            <a:extLst>
+              <a:ext uri="{28A0092B-C50C-407E-A947-70E740481C1C}">
+                <a14:useLocalDpi xmlns:a14="http://schemas.microsoft.com/office/drawing/2010/main" val="0"/>
+              </a:ext>
+            </a:extLst>
+          </a:blip>
+          <a:stretch>
+            <a:fillRect/>
+          </a:stretch>
+        </p:blipFill>
+        <p:spPr>
+          <a:xfrm>
+            <a:off x="4756547" y="3984346"/>
+            <a:ext cx="2488315" cy="2439904"/>
+          </a:xfrm>
+          <a:prstGeom prst="rect">
+            <a:avLst/>
+          </a:prstGeom>
+        </p:spPr>
+      </p:pic>
+      <p:pic>
+        <p:nvPicPr>
+          <p:cNvPr id="10" name="圖片 9" descr="一張含有 螢幕擷取畫面, 礁, 鮮豔, 文字 的圖片&#10;&#10;自動產生的描述">
+            <a:extLst>
+              <a:ext uri="{FF2B5EF4-FFF2-40B4-BE49-F238E27FC236}">
+                <a16:creationId xmlns:a16="http://schemas.microsoft.com/office/drawing/2014/main" id="{B7080E5F-F8AB-7E0F-AAD8-AD0A74D97F94}"/>
+              </a:ext>
+            </a:extLst>
+          </p:cNvPr>
+          <p:cNvPicPr>
+            <a:picLocks noChangeAspect="1"/>
+          </p:cNvPicPr>
+          <p:nvPr/>
+        </p:nvPicPr>
+        <p:blipFill>
+          <a:blip r:embed="rId7">
+            <a:extLst>
+              <a:ext uri="{28A0092B-C50C-407E-A947-70E740481C1C}">
+                <a14:useLocalDpi xmlns:a14="http://schemas.microsoft.com/office/drawing/2010/main" val="0"/>
+              </a:ext>
+            </a:extLst>
+          </a:blip>
+          <a:stretch>
+            <a:fillRect/>
+          </a:stretch>
+        </p:blipFill>
+        <p:spPr>
+          <a:xfrm>
+            <a:off x="8685624" y="3984346"/>
+            <a:ext cx="2668176" cy="2616266"/>
           </a:xfrm>
           <a:prstGeom prst="rect">
             <a:avLst/>
@@ -7914,7 +6763,7 @@
         </p:blipFill>
         <p:spPr>
           <a:xfrm>
-            <a:off x="8203827" y="487365"/>
+            <a:off x="8203827" y="467701"/>
             <a:ext cx="3381574" cy="2828038"/>
           </a:xfrm>
           <a:prstGeom prst="rect">
@@ -7924,10 +6773,10 @@
       </p:pic>
       <p:pic>
         <p:nvPicPr>
-          <p:cNvPr id="24" name="圖片 23">
-            <a:extLst>
-              <a:ext uri="{FF2B5EF4-FFF2-40B4-BE49-F238E27FC236}">
-                <a16:creationId xmlns:a16="http://schemas.microsoft.com/office/drawing/2014/main" id="{F4348EC9-5F31-A9FE-C3B4-061669AA36D8}"/>
+          <p:cNvPr id="3" name="圖片 2" descr="一張含有 文字, 鮮豔, 螢幕擷取畫面 的圖片&#10;&#10;自動產生的描述">
+            <a:extLst>
+              <a:ext uri="{FF2B5EF4-FFF2-40B4-BE49-F238E27FC236}">
+                <a16:creationId xmlns:a16="http://schemas.microsoft.com/office/drawing/2014/main" id="{B7BB55C6-80B5-C7A9-CB57-AB8E45437FA1}"/>
               </a:ext>
             </a:extLst>
           </p:cNvPr>
@@ -7937,15 +6786,21 @@
           <p:nvPr/>
         </p:nvPicPr>
         <p:blipFill>
-          <a:blip r:embed="rId5"/>
+          <a:blip r:embed="rId5">
+            <a:extLst>
+              <a:ext uri="{28A0092B-C50C-407E-A947-70E740481C1C}">
+                <a14:useLocalDpi xmlns:a14="http://schemas.microsoft.com/office/drawing/2010/main" val="0"/>
+              </a:ext>
+            </a:extLst>
+          </a:blip>
           <a:stretch>
             <a:fillRect/>
           </a:stretch>
         </p:blipFill>
         <p:spPr>
           <a:xfrm>
-            <a:off x="8203827" y="3501832"/>
-            <a:ext cx="3263900" cy="3187700"/>
+            <a:off x="485107" y="3542598"/>
+            <a:ext cx="3188179" cy="3126152"/>
           </a:xfrm>
           <a:prstGeom prst="rect">
             <a:avLst/>
@@ -7954,10 +6809,10 @@
       </p:pic>
       <p:pic>
         <p:nvPicPr>
-          <p:cNvPr id="28" name="圖片 27">
-            <a:extLst>
-              <a:ext uri="{FF2B5EF4-FFF2-40B4-BE49-F238E27FC236}">
-                <a16:creationId xmlns:a16="http://schemas.microsoft.com/office/drawing/2014/main" id="{8E49A29B-A4CF-7225-E114-3142CBBC9638}"/>
+          <p:cNvPr id="5" name="圖片 4" descr="一張含有 文字, 螢幕擷取畫面, 鮮豔 的圖片&#10;&#10;自動產生的描述">
+            <a:extLst>
+              <a:ext uri="{FF2B5EF4-FFF2-40B4-BE49-F238E27FC236}">
+                <a16:creationId xmlns:a16="http://schemas.microsoft.com/office/drawing/2014/main" id="{8EAA431E-269A-4C2C-6E2F-C46D697B070E}"/>
               </a:ext>
             </a:extLst>
           </p:cNvPr>
@@ -7967,15 +6822,21 @@
           <p:nvPr/>
         </p:nvPicPr>
         <p:blipFill>
-          <a:blip r:embed="rId6"/>
+          <a:blip r:embed="rId6">
+            <a:extLst>
+              <a:ext uri="{28A0092B-C50C-407E-A947-70E740481C1C}">
+                <a14:useLocalDpi xmlns:a14="http://schemas.microsoft.com/office/drawing/2010/main" val="0"/>
+              </a:ext>
+            </a:extLst>
+          </a:blip>
           <a:stretch>
             <a:fillRect/>
           </a:stretch>
         </p:blipFill>
         <p:spPr>
           <a:xfrm>
-            <a:off x="4394511" y="3501832"/>
-            <a:ext cx="3263900" cy="3187700"/>
+            <a:off x="4333387" y="3524636"/>
+            <a:ext cx="3263492" cy="3200001"/>
           </a:xfrm>
           <a:prstGeom prst="rect">
             <a:avLst/>
@@ -7984,10 +6845,10 @@
       </p:pic>
       <p:pic>
         <p:nvPicPr>
-          <p:cNvPr id="31" name="圖片 30">
-            <a:extLst>
-              <a:ext uri="{FF2B5EF4-FFF2-40B4-BE49-F238E27FC236}">
-                <a16:creationId xmlns:a16="http://schemas.microsoft.com/office/drawing/2014/main" id="{FEDE8255-36B1-8CD1-3E7D-D3DADCC0B446}"/>
+          <p:cNvPr id="8" name="圖片 7" descr="一張含有 文字, 螢幕擷取畫面, 鮮豔 的圖片&#10;&#10;自動產生的描述">
+            <a:extLst>
+              <a:ext uri="{FF2B5EF4-FFF2-40B4-BE49-F238E27FC236}">
+                <a16:creationId xmlns:a16="http://schemas.microsoft.com/office/drawing/2014/main" id="{C1A6F7E4-63B4-3078-7FE9-E19B5D797DE2}"/>
               </a:ext>
             </a:extLst>
           </p:cNvPr>
@@ -7997,15 +6858,21 @@
           <p:nvPr/>
         </p:nvPicPr>
         <p:blipFill>
-          <a:blip r:embed="rId7"/>
+          <a:blip r:embed="rId7">
+            <a:extLst>
+              <a:ext uri="{28A0092B-C50C-407E-A947-70E740481C1C}">
+                <a14:useLocalDpi xmlns:a14="http://schemas.microsoft.com/office/drawing/2010/main" val="0"/>
+              </a:ext>
+            </a:extLst>
+          </a:blip>
           <a:stretch>
             <a:fillRect/>
           </a:stretch>
         </p:blipFill>
         <p:spPr>
           <a:xfrm>
-            <a:off x="527610" y="3492851"/>
-            <a:ext cx="3263900" cy="3187700"/>
+            <a:off x="8185856" y="3549846"/>
+            <a:ext cx="3263492" cy="3200000"/>
           </a:xfrm>
           <a:prstGeom prst="rect">
             <a:avLst/>
@@ -8072,10 +6939,10 @@
       </p:sp>
       <p:pic>
         <p:nvPicPr>
-          <p:cNvPr id="5" name="圖片 4">
-            <a:extLst>
-              <a:ext uri="{FF2B5EF4-FFF2-40B4-BE49-F238E27FC236}">
-                <a16:creationId xmlns:a16="http://schemas.microsoft.com/office/drawing/2014/main" id="{7C05A891-5D57-F096-EDD1-5F9D03E4A47A}"/>
+          <p:cNvPr id="3" name="圖片 2" descr="一張含有 文字, 螢幕擷取畫面, 數字, 字型 的圖片&#10;&#10;自動產生的描述">
+            <a:extLst>
+              <a:ext uri="{FF2B5EF4-FFF2-40B4-BE49-F238E27FC236}">
+                <a16:creationId xmlns:a16="http://schemas.microsoft.com/office/drawing/2014/main" id="{E9EA894E-B567-63D0-7AF6-346C763D2CF5}"/>
               </a:ext>
             </a:extLst>
           </p:cNvPr>
@@ -8085,15 +6952,21 @@
           <p:nvPr/>
         </p:nvPicPr>
         <p:blipFill>
-          <a:blip r:embed="rId2"/>
+          <a:blip r:embed="rId2">
+            <a:extLst>
+              <a:ext uri="{28A0092B-C50C-407E-A947-70E740481C1C}">
+                <a14:useLocalDpi xmlns:a14="http://schemas.microsoft.com/office/drawing/2010/main" val="0"/>
+              </a:ext>
+            </a:extLst>
+          </a:blip>
           <a:stretch>
             <a:fillRect/>
           </a:stretch>
         </p:blipFill>
         <p:spPr>
           <a:xfrm>
-            <a:off x="577617" y="1438787"/>
-            <a:ext cx="5167157" cy="5419213"/>
+            <a:off x="710381" y="1483134"/>
+            <a:ext cx="4685714" cy="4914286"/>
           </a:xfrm>
           <a:prstGeom prst="rect">
             <a:avLst/>
@@ -8114,8 +6987,8 @@
         </p:nvSpPr>
         <p:spPr>
           <a:xfrm rot="3089693">
-            <a:off x="2217484" y="4470023"/>
-            <a:ext cx="3291840" cy="1308878"/>
+            <a:off x="2906406" y="4689138"/>
+            <a:ext cx="2194359" cy="1135093"/>
           </a:xfrm>
           <a:prstGeom prst="ellipse">
             <a:avLst/>
@@ -8173,7 +7046,7 @@
         </p:nvSpPr>
         <p:spPr>
           <a:xfrm>
-            <a:off x="4962940" y="5665943"/>
+            <a:off x="4745600" y="5868771"/>
             <a:ext cx="1828800" cy="461665"/>
           </a:xfrm>
           <a:prstGeom prst="rect">
@@ -8201,10 +7074,10 @@
       </p:sp>
       <p:pic>
         <p:nvPicPr>
-          <p:cNvPr id="12" name="圖片 11">
-            <a:extLst>
-              <a:ext uri="{FF2B5EF4-FFF2-40B4-BE49-F238E27FC236}">
-                <a16:creationId xmlns:a16="http://schemas.microsoft.com/office/drawing/2014/main" id="{5896660D-6EE0-C248-F932-E812D27648BD}"/>
+          <p:cNvPr id="4" name="圖片 3" descr="一張含有 文字, 圖表, 繪圖, 行 的圖片&#10;&#10;自動產生的描述">
+            <a:extLst>
+              <a:ext uri="{FF2B5EF4-FFF2-40B4-BE49-F238E27FC236}">
+                <a16:creationId xmlns:a16="http://schemas.microsoft.com/office/drawing/2014/main" id="{C91D1D1B-AD7B-996A-6ED3-2BF743BF3E58}"/>
               </a:ext>
             </a:extLst>
           </p:cNvPr>
@@ -8214,125 +7087,27 @@
           <p:nvPr/>
         </p:nvPicPr>
         <p:blipFill>
-          <a:blip r:embed="rId3"/>
+          <a:blip r:embed="rId3">
+            <a:extLst>
+              <a:ext uri="{28A0092B-C50C-407E-A947-70E740481C1C}">
+                <a14:useLocalDpi xmlns:a14="http://schemas.microsoft.com/office/drawing/2010/main" val="0"/>
+              </a:ext>
+            </a:extLst>
+          </a:blip>
           <a:stretch>
             <a:fillRect/>
           </a:stretch>
         </p:blipFill>
         <p:spPr>
           <a:xfrm>
-            <a:off x="7119960" y="530210"/>
-            <a:ext cx="2241292" cy="2188966"/>
+            <a:off x="6096000" y="2644781"/>
+            <a:ext cx="4863863" cy="2404606"/>
           </a:xfrm>
           <a:prstGeom prst="rect">
             <a:avLst/>
           </a:prstGeom>
         </p:spPr>
       </p:pic>
-      <p:pic>
-        <p:nvPicPr>
-          <p:cNvPr id="14" name="圖片 13">
-            <a:extLst>
-              <a:ext uri="{FF2B5EF4-FFF2-40B4-BE49-F238E27FC236}">
-                <a16:creationId xmlns:a16="http://schemas.microsoft.com/office/drawing/2014/main" id="{21686040-1320-DE8A-E47D-FBA9033751A9}"/>
-              </a:ext>
-            </a:extLst>
-          </p:cNvPr>
-          <p:cNvPicPr>
-            <a:picLocks noChangeAspect="1"/>
-          </p:cNvPicPr>
-          <p:nvPr/>
-        </p:nvPicPr>
-        <p:blipFill>
-          <a:blip r:embed="rId4"/>
-          <a:stretch>
-            <a:fillRect/>
-          </a:stretch>
-        </p:blipFill>
-        <p:spPr>
-          <a:xfrm>
-            <a:off x="9496395" y="530210"/>
-            <a:ext cx="2376435" cy="2320954"/>
-          </a:xfrm>
-          <a:prstGeom prst="rect">
-            <a:avLst/>
-          </a:prstGeom>
-        </p:spPr>
-      </p:pic>
-      <p:pic>
-        <p:nvPicPr>
-          <p:cNvPr id="16" name="圖片 15">
-            <a:extLst>
-              <a:ext uri="{FF2B5EF4-FFF2-40B4-BE49-F238E27FC236}">
-                <a16:creationId xmlns:a16="http://schemas.microsoft.com/office/drawing/2014/main" id="{3FB12267-332F-691B-326D-4F31F9A24004}"/>
-              </a:ext>
-            </a:extLst>
-          </p:cNvPr>
-          <p:cNvPicPr>
-            <a:picLocks noChangeAspect="1"/>
-          </p:cNvPicPr>
-          <p:nvPr/>
-        </p:nvPicPr>
-        <p:blipFill>
-          <a:blip r:embed="rId5"/>
-          <a:stretch>
-            <a:fillRect/>
-          </a:stretch>
-        </p:blipFill>
-        <p:spPr>
-          <a:xfrm>
-            <a:off x="7119960" y="2884261"/>
-            <a:ext cx="2376435" cy="2320954"/>
-          </a:xfrm>
-          <a:prstGeom prst="rect">
-            <a:avLst/>
-          </a:prstGeom>
-        </p:spPr>
-      </p:pic>
-      <p:sp>
-        <p:nvSpPr>
-          <p:cNvPr id="17" name="文字方塊 16">
-            <a:extLst>
-              <a:ext uri="{FF2B5EF4-FFF2-40B4-BE49-F238E27FC236}">
-                <a16:creationId xmlns:a16="http://schemas.microsoft.com/office/drawing/2014/main" id="{591285B9-04DA-B58D-CA95-966DCC51652B}"/>
-              </a:ext>
-            </a:extLst>
-          </p:cNvPr>
-          <p:cNvSpPr txBox="1"/>
-          <p:nvPr/>
-        </p:nvSpPr>
-        <p:spPr>
-          <a:xfrm>
-            <a:off x="7493703" y="5312000"/>
-            <a:ext cx="4455576" cy="707886"/>
-          </a:xfrm>
-          <a:prstGeom prst="rect">
-            <a:avLst/>
-          </a:prstGeom>
-          <a:noFill/>
-        </p:spPr>
-        <p:txBody>
-          <a:bodyPr wrap="square" rtlCol="0">
-            <a:spAutoFit/>
-          </a:bodyPr>
-          <a:lstStyle/>
-          <a:p>
-            <a:pPr algn="l"/>
-            <a:r>
-              <a:rPr lang="zh-TW" altLang="en-US" sz="2000" b="1" dirty="0"/>
-              <a:t>可能因為每種生物都有自己的特殊的棲息地，導致</a:t>
-            </a:r>
-            <a:r>
-              <a:rPr lang="zh-TW" altLang="en-US" sz="2000" b="1" dirty="0">
-                <a:solidFill>
-                  <a:srgbClr val="C00000"/>
-                </a:solidFill>
-              </a:rPr>
-              <a:t>模型容易用背景判斷</a:t>
-            </a:r>
-          </a:p>
-        </p:txBody>
-      </p:sp>
     </p:spTree>
     <p:extLst>
       <p:ext uri="{BB962C8B-B14F-4D97-AF65-F5344CB8AC3E}">
@@ -8510,15 +7285,7 @@
             <a:pPr algn="l"/>
             <a:r>
               <a:rPr lang="zh-TW" altLang="en-US" sz="2400" dirty="0"/>
-              <a:t>訓練需要</a:t>
-            </a:r>
-            <a:r>
-              <a:rPr lang="en-US" altLang="zh-TW" sz="2400" dirty="0"/>
-              <a:t>4~5</a:t>
-            </a:r>
-            <a:r>
-              <a:rPr lang="zh-TW" altLang="en-US" sz="2400" dirty="0"/>
-              <a:t>個小時，速度很慢，可以試試看</a:t>
+              <a:t>訓練速度很慢，可以試試看</a:t>
             </a:r>
             <a:r>
               <a:rPr lang="en-US" altLang="zh-TW" sz="2400" dirty="0"/>
